--- a/speech/presentation.pptx
+++ b/speech/presentation.pptx
@@ -10,6 +10,7 @@
     <p:sldId id="258" r:id="rId4"/>
     <p:sldId id="259" r:id="rId5"/>
     <p:sldId id="260" r:id="rId6"/>
+    <p:sldId id="261" r:id="rId7"/>
   </p:sldIdLst>
   <p:sldSz cx="12192000" cy="6858000"/>
   <p:notesSz cx="6858000" cy="9144000"/>
@@ -4952,6 +4953,171 @@
 </p:sld>
 </file>
 
+<file path=ppt/slides/slide6.xml><?xml version="1.0" encoding="utf-8"?>
+<p:sld xmlns:a="http://schemas.openxmlformats.org/drawingml/2006/main" xmlns:r="http://schemas.openxmlformats.org/officeDocument/2006/relationships" xmlns:p="http://schemas.openxmlformats.org/presentationml/2006/main">
+  <p:cSld>
+    <p:bg>
+      <p:bgPr>
+        <a:solidFill>
+          <a:schemeClr val="bg2"/>
+        </a:solidFill>
+        <a:effectLst/>
+      </p:bgPr>
+    </p:bg>
+    <p:spTree>
+      <p:nvGrpSpPr>
+        <p:cNvPr id="1" name="">
+          <a:extLst>
+            <a:ext uri="{FF2B5EF4-FFF2-40B4-BE49-F238E27FC236}">
+              <a16:creationId xmlns:a16="http://schemas.microsoft.com/office/drawing/2014/main" id="{20D44778-D7A8-BFEE-542E-8C849041192E}"/>
+            </a:ext>
+          </a:extLst>
+        </p:cNvPr>
+        <p:cNvGrpSpPr/>
+        <p:nvPr/>
+      </p:nvGrpSpPr>
+      <p:grpSpPr>
+        <a:xfrm>
+          <a:off x="0" y="0"/>
+          <a:ext cx="0" cy="0"/>
+          <a:chOff x="0" y="0"/>
+          <a:chExt cx="0" cy="0"/>
+        </a:xfrm>
+      </p:grpSpPr>
+      <p:sp>
+        <p:nvSpPr>
+          <p:cNvPr id="4" name="Заголовок 1">
+            <a:extLst>
+              <a:ext uri="{FF2B5EF4-FFF2-40B4-BE49-F238E27FC236}">
+                <a16:creationId xmlns:a16="http://schemas.microsoft.com/office/drawing/2014/main" id="{CE85F7E9-BEF9-5AB4-7BFD-A9C84256CBE5}"/>
+              </a:ext>
+            </a:extLst>
+          </p:cNvPr>
+          <p:cNvSpPr txBox="1">
+            <a:spLocks/>
+          </p:cNvSpPr>
+          <p:nvPr/>
+        </p:nvSpPr>
+        <p:spPr>
+          <a:xfrm>
+            <a:off x="872836" y="272473"/>
+            <a:ext cx="11023599" cy="946727"/>
+          </a:xfrm>
+          <a:prstGeom prst="rect">
+            <a:avLst/>
+          </a:prstGeom>
+        </p:spPr>
+        <p:txBody>
+          <a:bodyPr vert="horz" lIns="91440" tIns="45720" rIns="91440" bIns="45720" rtlCol="0" anchor="t">
+            <a:noAutofit/>
+          </a:bodyPr>
+          <a:lstStyle>
+            <a:lvl1pPr algn="l" defTabSz="914400" rtl="0" eaLnBrk="1" latinLnBrk="0" hangingPunct="1">
+              <a:lnSpc>
+                <a:spcPct val="89000"/>
+              </a:lnSpc>
+              <a:spcBef>
+                <a:spcPct val="0"/>
+              </a:spcBef>
+              <a:buNone/>
+              <a:defRPr sz="4400" kern="1200" baseline="0">
+                <a:solidFill>
+                  <a:schemeClr val="tx2"/>
+                </a:solidFill>
+                <a:latin typeface="+mj-lt"/>
+                <a:ea typeface="+mj-ea"/>
+                <a:cs typeface="+mj-cs"/>
+              </a:defRPr>
+            </a:lvl1pPr>
+          </a:lstStyle>
+          <a:p>
+            <a:pPr algn="ctr"/>
+            <a:r>
+              <a:rPr lang="ru-RU" b="1" dirty="0"/>
+              <a:t>Динамика себестоимости источников</a:t>
+            </a:r>
+          </a:p>
+        </p:txBody>
+      </p:sp>
+      <p:pic>
+        <p:nvPicPr>
+          <p:cNvPr id="9" name="Рисунок 8">
+            <a:extLst>
+              <a:ext uri="{FF2B5EF4-FFF2-40B4-BE49-F238E27FC236}">
+                <a16:creationId xmlns:a16="http://schemas.microsoft.com/office/drawing/2014/main" id="{1AB19A71-AF0E-1F63-DC6F-A1B6BCDB80F4}"/>
+              </a:ext>
+            </a:extLst>
+          </p:cNvPr>
+          <p:cNvPicPr>
+            <a:picLocks noChangeAspect="1"/>
+          </p:cNvPicPr>
+          <p:nvPr/>
+        </p:nvPicPr>
+        <p:blipFill>
+          <a:blip r:embed="rId2">
+            <a:extLst>
+              <a:ext uri="{28A0092B-C50C-407E-A947-70E740481C1C}">
+                <a14:useLocalDpi xmlns:a14="http://schemas.microsoft.com/office/drawing/2010/main" val="0"/>
+              </a:ext>
+            </a:extLst>
+          </a:blip>
+          <a:stretch>
+            <a:fillRect/>
+          </a:stretch>
+        </p:blipFill>
+        <p:spPr>
+          <a:xfrm>
+            <a:off x="2476498" y="1219200"/>
+            <a:ext cx="7816274" cy="5210849"/>
+          </a:xfrm>
+          <a:prstGeom prst="rect">
+            <a:avLst/>
+          </a:prstGeom>
+          <a:solidFill>
+            <a:srgbClr val="FFFFFF">
+              <a:shade val="85000"/>
+            </a:srgbClr>
+          </a:solidFill>
+          <a:ln w="88900" cap="sq">
+            <a:solidFill>
+              <a:srgbClr val="FFFFFF"/>
+            </a:solidFill>
+            <a:miter lim="800000"/>
+          </a:ln>
+          <a:effectLst>
+            <a:outerShdw blurRad="55000" dist="18000" dir="5400000" algn="tl" rotWithShape="0">
+              <a:srgbClr val="000000">
+                <a:alpha val="40000"/>
+              </a:srgbClr>
+            </a:outerShdw>
+          </a:effectLst>
+          <a:scene3d>
+            <a:camera prst="orthographicFront"/>
+            <a:lightRig rig="twoPt" dir="t">
+              <a:rot lat="0" lon="0" rev="7200000"/>
+            </a:lightRig>
+          </a:scene3d>
+          <a:sp3d>
+            <a:bevelT w="25400" h="19050"/>
+            <a:contourClr>
+              <a:srgbClr val="FFFFFF"/>
+            </a:contourClr>
+          </a:sp3d>
+        </p:spPr>
+      </p:pic>
+    </p:spTree>
+    <p:extLst>
+      <p:ext uri="{BB962C8B-B14F-4D97-AF65-F5344CB8AC3E}">
+        <p14:creationId xmlns:p14="http://schemas.microsoft.com/office/powerpoint/2010/main" val="3628304354"/>
+      </p:ext>
+    </p:extLst>
+  </p:cSld>
+  <p:clrMapOvr>
+    <a:masterClrMapping/>
+  </p:clrMapOvr>
+</p:sld>
+</file>
+
 <file path=ppt/theme/theme1.xml><?xml version="1.0" encoding="utf-8"?>
 <a:theme xmlns:a="http://schemas.openxmlformats.org/drawingml/2006/main" name="Уголки">
   <a:themeElements>

--- a/speech/presentation.pptx
+++ b/speech/presentation.pptx
@@ -11,6 +11,8 @@
     <p:sldId id="259" r:id="rId5"/>
     <p:sldId id="260" r:id="rId6"/>
     <p:sldId id="261" r:id="rId7"/>
+    <p:sldId id="263" r:id="rId8"/>
+    <p:sldId id="264" r:id="rId9"/>
   </p:sldIdLst>
   <p:sldSz cx="12192000" cy="6858000"/>
   <p:notesSz cx="6858000" cy="9144000"/>
@@ -286,7 +288,7 @@
           <a:p>
             <a:fld id="{71FD7FF2-845F-41B9-944F-35B90659B7D6}" type="datetimeFigureOut">
               <a:rPr lang="en-US" smtClean="0"/>
-              <a:t>6/22/2025</a:t>
+              <a:t>6/23/2025</a:t>
             </a:fld>
             <a:endParaRPr lang="en-US"/>
           </a:p>
@@ -616,7 +618,7 @@
           <a:p>
             <a:fld id="{71FD7FF2-845F-41B9-944F-35B90659B7D6}" type="datetimeFigureOut">
               <a:rPr lang="en-US" smtClean="0"/>
-              <a:t>6/22/2025</a:t>
+              <a:t>6/23/2025</a:t>
             </a:fld>
             <a:endParaRPr lang="en-US"/>
           </a:p>
@@ -796,7 +798,7 @@
           <a:p>
             <a:fld id="{71FD7FF2-845F-41B9-944F-35B90659B7D6}" type="datetimeFigureOut">
               <a:rPr lang="en-US" smtClean="0"/>
-              <a:t>6/22/2025</a:t>
+              <a:t>6/23/2025</a:t>
             </a:fld>
             <a:endParaRPr lang="en-US"/>
           </a:p>
@@ -966,7 +968,7 @@
           <a:p>
             <a:fld id="{71FD7FF2-845F-41B9-944F-35B90659B7D6}" type="datetimeFigureOut">
               <a:rPr lang="en-US" smtClean="0"/>
-              <a:t>6/22/2025</a:t>
+              <a:t>6/23/2025</a:t>
             </a:fld>
             <a:endParaRPr lang="en-US"/>
           </a:p>
@@ -1243,7 +1245,7 @@
           <a:p>
             <a:fld id="{71FD7FF2-845F-41B9-944F-35B90659B7D6}" type="datetimeFigureOut">
               <a:rPr lang="en-US" smtClean="0"/>
-              <a:t>6/22/2025</a:t>
+              <a:t>6/23/2025</a:t>
             </a:fld>
             <a:endParaRPr lang="en-US"/>
           </a:p>
@@ -1637,7 +1639,7 @@
           <a:p>
             <a:fld id="{71FD7FF2-845F-41B9-944F-35B90659B7D6}" type="datetimeFigureOut">
               <a:rPr lang="en-US" smtClean="0"/>
-              <a:t>6/22/2025</a:t>
+              <a:t>6/23/2025</a:t>
             </a:fld>
             <a:endParaRPr lang="en-US"/>
           </a:p>
@@ -2114,7 +2116,7 @@
           <a:p>
             <a:fld id="{71FD7FF2-845F-41B9-944F-35B90659B7D6}" type="datetimeFigureOut">
               <a:rPr lang="en-US" smtClean="0"/>
-              <a:t>6/22/2025</a:t>
+              <a:t>6/23/2025</a:t>
             </a:fld>
             <a:endParaRPr lang="en-US"/>
           </a:p>
@@ -2232,7 +2234,7 @@
           <a:p>
             <a:fld id="{71FD7FF2-845F-41B9-944F-35B90659B7D6}" type="datetimeFigureOut">
               <a:rPr lang="en-US" smtClean="0"/>
-              <a:t>6/22/2025</a:t>
+              <a:t>6/23/2025</a:t>
             </a:fld>
             <a:endParaRPr lang="en-US"/>
           </a:p>
@@ -2327,7 +2329,7 @@
           <a:p>
             <a:fld id="{71FD7FF2-845F-41B9-944F-35B90659B7D6}" type="datetimeFigureOut">
               <a:rPr lang="en-US" smtClean="0"/>
-              <a:t>6/22/2025</a:t>
+              <a:t>6/23/2025</a:t>
             </a:fld>
             <a:endParaRPr lang="en-US"/>
           </a:p>
@@ -2673,7 +2675,7 @@
           <a:p>
             <a:fld id="{71FD7FF2-845F-41B9-944F-35B90659B7D6}" type="datetimeFigureOut">
               <a:rPr lang="en-US" smtClean="0"/>
-              <a:t>6/22/2025</a:t>
+              <a:t>6/23/2025</a:t>
             </a:fld>
             <a:endParaRPr lang="en-US"/>
           </a:p>
@@ -3061,7 +3063,7 @@
           <a:p>
             <a:fld id="{71FD7FF2-845F-41B9-944F-35B90659B7D6}" type="datetimeFigureOut">
               <a:rPr lang="en-US" smtClean="0"/>
-              <a:t>6/22/2025</a:t>
+              <a:t>6/23/2025</a:t>
             </a:fld>
             <a:endParaRPr lang="en-US"/>
           </a:p>
@@ -3339,7 +3341,7 @@
           <a:p>
             <a:fld id="{71FD7FF2-845F-41B9-944F-35B90659B7D6}" type="datetimeFigureOut">
               <a:rPr lang="en-US" smtClean="0"/>
-              <a:t>6/22/2025</a:t>
+              <a:t>6/23/2025</a:t>
             </a:fld>
             <a:endParaRPr lang="en-US"/>
           </a:p>
@@ -4753,10 +4755,10 @@
       </p:sp>
       <p:sp>
         <p:nvSpPr>
-          <p:cNvPr id="2" name="Заголовок 1">
+          <p:cNvPr id="3" name="Заголовок 1">
             <a:extLst>
               <a:ext uri="{FF2B5EF4-FFF2-40B4-BE49-F238E27FC236}">
-                <a16:creationId xmlns:a16="http://schemas.microsoft.com/office/drawing/2014/main" id="{03088F95-A304-03F3-2D0A-C627865CA944}"/>
+                <a16:creationId xmlns:a16="http://schemas.microsoft.com/office/drawing/2014/main" id="{CDC3A7DA-146F-1E2D-6EAD-A3FDB8DA0D0D}"/>
               </a:ext>
             </a:extLst>
           </p:cNvPr>
@@ -4767,7 +4769,7 @@
         </p:nvSpPr>
         <p:spPr>
           <a:xfrm>
-            <a:off x="872836" y="1080655"/>
+            <a:off x="872835" y="2258292"/>
             <a:ext cx="11490037" cy="1334654"/>
           </a:xfrm>
           <a:prstGeom prst="rect">
@@ -4800,73 +4802,7 @@
           <a:p>
             <a:r>
               <a:rPr lang="ru-RU" sz="3200" b="1" dirty="0"/>
-              <a:t>Себестоимость</a:t>
-            </a:r>
-          </a:p>
-          <a:p>
-            <a:r>
-              <a:rPr lang="ru-RU" sz="3200" b="1" dirty="0"/>
-              <a:t>Способ вычисления, сделанные предположения</a:t>
-            </a:r>
-          </a:p>
-        </p:txBody>
-      </p:sp>
-      <p:sp>
-        <p:nvSpPr>
-          <p:cNvPr id="3" name="Заголовок 1">
-            <a:extLst>
-              <a:ext uri="{FF2B5EF4-FFF2-40B4-BE49-F238E27FC236}">
-                <a16:creationId xmlns:a16="http://schemas.microsoft.com/office/drawing/2014/main" id="{CDC3A7DA-146F-1E2D-6EAD-A3FDB8DA0D0D}"/>
-              </a:ext>
-            </a:extLst>
-          </p:cNvPr>
-          <p:cNvSpPr txBox="1">
-            <a:spLocks/>
-          </p:cNvSpPr>
-          <p:nvPr/>
-        </p:nvSpPr>
-        <p:spPr>
-          <a:xfrm>
-            <a:off x="872835" y="2258292"/>
-            <a:ext cx="11490037" cy="1334654"/>
-          </a:xfrm>
-          <a:prstGeom prst="rect">
-            <a:avLst/>
-          </a:prstGeom>
-        </p:spPr>
-        <p:txBody>
-          <a:bodyPr vert="horz" lIns="91440" tIns="45720" rIns="91440" bIns="45720" rtlCol="0" anchor="t">
-            <a:noAutofit/>
-          </a:bodyPr>
-          <a:lstStyle>
-            <a:lvl1pPr algn="l" defTabSz="914400" rtl="0" eaLnBrk="1" latinLnBrk="0" hangingPunct="1">
-              <a:lnSpc>
-                <a:spcPct val="89000"/>
-              </a:lnSpc>
-              <a:spcBef>
-                <a:spcPct val="0"/>
-              </a:spcBef>
-              <a:buNone/>
-              <a:defRPr sz="4400" kern="1200" baseline="0">
-                <a:solidFill>
-                  <a:schemeClr val="tx2"/>
-                </a:solidFill>
-                <a:latin typeface="+mj-lt"/>
-                <a:ea typeface="+mj-ea"/>
-                <a:cs typeface="+mj-cs"/>
-              </a:defRPr>
-            </a:lvl1pPr>
-          </a:lstStyle>
-          <a:p>
-            <a:r>
-              <a:rPr lang="ru-RU" sz="3200" b="1" dirty="0"/>
               <a:t>Качество отчетов</a:t>
-            </a:r>
-          </a:p>
-          <a:p>
-            <a:r>
-              <a:rPr lang="ru-RU" sz="3200" b="1" dirty="0"/>
-              <a:t>Способ вычисления, графики качества, потерь в качестве</a:t>
             </a:r>
             <a:br>
               <a:rPr lang="ru-RU" sz="3200" b="1" dirty="0"/>
@@ -5000,8 +4936,8 @@
         </p:nvSpPr>
         <p:spPr>
           <a:xfrm>
-            <a:off x="872836" y="272473"/>
-            <a:ext cx="11023599" cy="946727"/>
+            <a:off x="789710" y="78509"/>
+            <a:ext cx="11014364" cy="1334654"/>
           </a:xfrm>
           <a:prstGeom prst="rect">
             <a:avLst/>
@@ -5033,18 +4969,39 @@
           <a:p>
             <a:pPr algn="ctr"/>
             <a:r>
-              <a:rPr lang="ru-RU" b="1" dirty="0"/>
+              <a:rPr lang="ru-RU" sz="4200" b="1" dirty="0">
+                <a:solidFill>
+                  <a:schemeClr val="tx1">
+                    <a:lumMod val="85000"/>
+                    <a:lumOff val="15000"/>
+                  </a:schemeClr>
+                </a:solidFill>
+              </a:rPr>
               <a:t>Динамика себестоимости источников</a:t>
+            </a:r>
+          </a:p>
+          <a:p>
+            <a:pPr algn="ctr"/>
+            <a:r>
+              <a:rPr lang="ru-RU" sz="4200" b="1" dirty="0">
+                <a:solidFill>
+                  <a:schemeClr val="tx1">
+                    <a:lumMod val="85000"/>
+                    <a:lumOff val="15000"/>
+                  </a:schemeClr>
+                </a:solidFill>
+              </a:rPr>
+              <a:t>за расчетный период</a:t>
             </a:r>
           </a:p>
         </p:txBody>
       </p:sp>
       <p:pic>
         <p:nvPicPr>
-          <p:cNvPr id="9" name="Рисунок 8">
+          <p:cNvPr id="12" name="Рисунок 11" descr="Изображение выглядит как текст, снимок экрана, линия, График&#10;&#10;Содержимое, созданное искусственным интеллектом, может быть неверным.">
             <a:extLst>
               <a:ext uri="{FF2B5EF4-FFF2-40B4-BE49-F238E27FC236}">
-                <a16:creationId xmlns:a16="http://schemas.microsoft.com/office/drawing/2014/main" id="{1AB19A71-AF0E-1F63-DC6F-A1B6BCDB80F4}"/>
+                <a16:creationId xmlns:a16="http://schemas.microsoft.com/office/drawing/2014/main" id="{DD027723-78B0-204D-DD86-4F904D69CB45}"/>
               </a:ext>
             </a:extLst>
           </p:cNvPr>
@@ -5067,8 +5024,8 @@
         </p:blipFill>
         <p:spPr>
           <a:xfrm>
-            <a:off x="2476498" y="1219200"/>
-            <a:ext cx="7816274" cy="5210849"/>
+            <a:off x="1674968" y="1490318"/>
+            <a:ext cx="9243848" cy="5042099"/>
           </a:xfrm>
           <a:prstGeom prst="rect">
             <a:avLst/>
@@ -5109,6 +5066,431 @@
     <p:extLst>
       <p:ext uri="{BB962C8B-B14F-4D97-AF65-F5344CB8AC3E}">
         <p14:creationId xmlns:p14="http://schemas.microsoft.com/office/powerpoint/2010/main" val="3628304354"/>
+      </p:ext>
+    </p:extLst>
+  </p:cSld>
+  <p:clrMapOvr>
+    <a:masterClrMapping/>
+  </p:clrMapOvr>
+</p:sld>
+</file>
+
+<file path=ppt/slides/slide7.xml><?xml version="1.0" encoding="utf-8"?>
+<p:sld xmlns:a="http://schemas.openxmlformats.org/drawingml/2006/main" xmlns:r="http://schemas.openxmlformats.org/officeDocument/2006/relationships" xmlns:p="http://schemas.openxmlformats.org/presentationml/2006/main">
+  <p:cSld>
+    <p:spTree>
+      <p:nvGrpSpPr>
+        <p:cNvPr id="1" name="">
+          <a:extLst>
+            <a:ext uri="{FF2B5EF4-FFF2-40B4-BE49-F238E27FC236}">
+              <a16:creationId xmlns:a16="http://schemas.microsoft.com/office/drawing/2014/main" id="{FAEB8036-B43B-436E-B4E2-34CAFF7EC19D}"/>
+            </a:ext>
+          </a:extLst>
+        </p:cNvPr>
+        <p:cNvGrpSpPr/>
+        <p:nvPr/>
+      </p:nvGrpSpPr>
+      <p:grpSpPr>
+        <a:xfrm>
+          <a:off x="0" y="0"/>
+          <a:ext cx="0" cy="0"/>
+          <a:chOff x="0" y="0"/>
+          <a:chExt cx="0" cy="0"/>
+        </a:xfrm>
+      </p:grpSpPr>
+      <p:sp>
+        <p:nvSpPr>
+          <p:cNvPr id="4" name="Заголовок 1">
+            <a:extLst>
+              <a:ext uri="{FF2B5EF4-FFF2-40B4-BE49-F238E27FC236}">
+                <a16:creationId xmlns:a16="http://schemas.microsoft.com/office/drawing/2014/main" id="{6105B3A7-6024-67A4-4C36-04649C0B0B40}"/>
+              </a:ext>
+            </a:extLst>
+          </p:cNvPr>
+          <p:cNvSpPr txBox="1">
+            <a:spLocks/>
+          </p:cNvSpPr>
+          <p:nvPr/>
+        </p:nvSpPr>
+        <p:spPr>
+          <a:xfrm>
+            <a:off x="628072" y="87745"/>
+            <a:ext cx="11471565" cy="1334654"/>
+          </a:xfrm>
+          <a:prstGeom prst="rect">
+            <a:avLst/>
+          </a:prstGeom>
+        </p:spPr>
+        <p:txBody>
+          <a:bodyPr vert="horz" lIns="91440" tIns="45720" rIns="91440" bIns="45720" rtlCol="0" anchor="t">
+            <a:noAutofit/>
+          </a:bodyPr>
+          <a:lstStyle>
+            <a:lvl1pPr algn="l" defTabSz="914400" rtl="0" eaLnBrk="1" latinLnBrk="0" hangingPunct="1">
+              <a:lnSpc>
+                <a:spcPct val="89000"/>
+              </a:lnSpc>
+              <a:spcBef>
+                <a:spcPct val="0"/>
+              </a:spcBef>
+              <a:buNone/>
+              <a:defRPr sz="4400" kern="1200" baseline="0">
+                <a:solidFill>
+                  <a:schemeClr val="tx2"/>
+                </a:solidFill>
+                <a:latin typeface="+mj-lt"/>
+                <a:ea typeface="+mj-ea"/>
+                <a:cs typeface="+mj-cs"/>
+              </a:defRPr>
+            </a:lvl1pPr>
+          </a:lstStyle>
+          <a:p>
+            <a:pPr algn="ctr"/>
+            <a:r>
+              <a:rPr lang="ru-RU" sz="4200" b="1" dirty="0">
+                <a:solidFill>
+                  <a:schemeClr val="tx1">
+                    <a:lumMod val="85000"/>
+                    <a:lumOff val="15000"/>
+                  </a:schemeClr>
+                </a:solidFill>
+              </a:rPr>
+              <a:t>Динамика себестоимости источников</a:t>
+            </a:r>
+          </a:p>
+          <a:p>
+            <a:pPr algn="ctr"/>
+            <a:r>
+              <a:rPr lang="ru-RU" sz="4200" b="1" dirty="0">
+                <a:solidFill>
+                  <a:schemeClr val="tx1">
+                    <a:lumMod val="85000"/>
+                    <a:lumOff val="15000"/>
+                  </a:schemeClr>
+                </a:solidFill>
+              </a:rPr>
+              <a:t>в зависимости от числа продаваемых отчетов</a:t>
+            </a:r>
+          </a:p>
+        </p:txBody>
+      </p:sp>
+      <p:pic>
+        <p:nvPicPr>
+          <p:cNvPr id="28" name="Рисунок 27" descr="Изображение выглядит как текст, линия, снимок экрана, График&#10;&#10;Содержимое, созданное искусственным интеллектом, может быть неверным.">
+            <a:extLst>
+              <a:ext uri="{FF2B5EF4-FFF2-40B4-BE49-F238E27FC236}">
+                <a16:creationId xmlns:a16="http://schemas.microsoft.com/office/drawing/2014/main" id="{0A9DBBAF-3BF5-26F7-B0E6-95F3C57235E9}"/>
+              </a:ext>
+            </a:extLst>
+          </p:cNvPr>
+          <p:cNvPicPr>
+            <a:picLocks noChangeAspect="1"/>
+          </p:cNvPicPr>
+          <p:nvPr/>
+        </p:nvPicPr>
+        <p:blipFill>
+          <a:blip r:embed="rId2">
+            <a:extLst>
+              <a:ext uri="{28A0092B-C50C-407E-A947-70E740481C1C}">
+                <a14:useLocalDpi xmlns:a14="http://schemas.microsoft.com/office/drawing/2010/main" val="0"/>
+              </a:ext>
+            </a:extLst>
+          </a:blip>
+          <a:stretch>
+            <a:fillRect/>
+          </a:stretch>
+        </p:blipFill>
+        <p:spPr>
+          <a:xfrm>
+            <a:off x="1504292" y="1509484"/>
+            <a:ext cx="9183415" cy="5101897"/>
+          </a:xfrm>
+          <a:prstGeom prst="rect">
+            <a:avLst/>
+          </a:prstGeom>
+          <a:solidFill>
+            <a:srgbClr val="FFFFFF">
+              <a:shade val="85000"/>
+            </a:srgbClr>
+          </a:solidFill>
+          <a:ln w="190500" cap="rnd">
+            <a:solidFill>
+              <a:srgbClr val="FFFFFF"/>
+            </a:solidFill>
+          </a:ln>
+          <a:effectLst>
+            <a:outerShdw blurRad="50000" algn="tl" rotWithShape="0">
+              <a:srgbClr val="000000">
+                <a:alpha val="41000"/>
+              </a:srgbClr>
+            </a:outerShdw>
+          </a:effectLst>
+          <a:scene3d>
+            <a:camera prst="orthographicFront"/>
+            <a:lightRig rig="twoPt" dir="t">
+              <a:rot lat="0" lon="0" rev="7800000"/>
+            </a:lightRig>
+          </a:scene3d>
+          <a:sp3d contourW="6350">
+            <a:bevelT w="50800" h="16510"/>
+            <a:contourClr>
+              <a:srgbClr val="C0C0C0"/>
+            </a:contourClr>
+          </a:sp3d>
+        </p:spPr>
+      </p:pic>
+    </p:spTree>
+    <p:extLst>
+      <p:ext uri="{BB962C8B-B14F-4D97-AF65-F5344CB8AC3E}">
+        <p14:creationId xmlns:p14="http://schemas.microsoft.com/office/powerpoint/2010/main" val="3330141128"/>
+      </p:ext>
+    </p:extLst>
+  </p:cSld>
+  <p:clrMapOvr>
+    <a:masterClrMapping/>
+  </p:clrMapOvr>
+</p:sld>
+</file>
+
+<file path=ppt/slides/slide8.xml><?xml version="1.0" encoding="utf-8"?>
+<p:sld xmlns:a="http://schemas.openxmlformats.org/drawingml/2006/main" xmlns:r="http://schemas.openxmlformats.org/officeDocument/2006/relationships" xmlns:p="http://schemas.openxmlformats.org/presentationml/2006/main">
+  <p:cSld>
+    <p:spTree>
+      <p:nvGrpSpPr>
+        <p:cNvPr id="1" name="">
+          <a:extLst>
+            <a:ext uri="{FF2B5EF4-FFF2-40B4-BE49-F238E27FC236}">
+              <a16:creationId xmlns:a16="http://schemas.microsoft.com/office/drawing/2014/main" id="{E1427387-A849-D1CE-E854-7AC52EC2C5BC}"/>
+            </a:ext>
+          </a:extLst>
+        </p:cNvPr>
+        <p:cNvGrpSpPr/>
+        <p:nvPr/>
+      </p:nvGrpSpPr>
+      <p:grpSpPr>
+        <a:xfrm>
+          <a:off x="0" y="0"/>
+          <a:ext cx="0" cy="0"/>
+          <a:chOff x="0" y="0"/>
+          <a:chExt cx="0" cy="0"/>
+        </a:xfrm>
+      </p:grpSpPr>
+      <p:sp>
+        <p:nvSpPr>
+          <p:cNvPr id="4" name="Заголовок 1">
+            <a:extLst>
+              <a:ext uri="{FF2B5EF4-FFF2-40B4-BE49-F238E27FC236}">
+                <a16:creationId xmlns:a16="http://schemas.microsoft.com/office/drawing/2014/main" id="{5D38FD7F-CA4F-9F11-3AFE-C51B3B9671B6}"/>
+              </a:ext>
+            </a:extLst>
+          </p:cNvPr>
+          <p:cNvSpPr txBox="1">
+            <a:spLocks/>
+          </p:cNvSpPr>
+          <p:nvPr/>
+        </p:nvSpPr>
+        <p:spPr>
+          <a:xfrm>
+            <a:off x="977462" y="268731"/>
+            <a:ext cx="11471565" cy="1334654"/>
+          </a:xfrm>
+          <a:prstGeom prst="rect">
+            <a:avLst/>
+          </a:prstGeom>
+        </p:spPr>
+        <p:txBody>
+          <a:bodyPr vert="horz" lIns="91440" tIns="45720" rIns="91440" bIns="45720" rtlCol="0" anchor="t">
+            <a:noAutofit/>
+          </a:bodyPr>
+          <a:lstStyle>
+            <a:lvl1pPr algn="l" defTabSz="914400" rtl="0" eaLnBrk="1" latinLnBrk="0" hangingPunct="1">
+              <a:lnSpc>
+                <a:spcPct val="89000"/>
+              </a:lnSpc>
+              <a:spcBef>
+                <a:spcPct val="0"/>
+              </a:spcBef>
+              <a:buNone/>
+              <a:defRPr sz="4400" kern="1200" baseline="0">
+                <a:solidFill>
+                  <a:schemeClr val="tx2"/>
+                </a:solidFill>
+                <a:latin typeface="+mj-lt"/>
+                <a:ea typeface="+mj-ea"/>
+                <a:cs typeface="+mj-cs"/>
+              </a:defRPr>
+            </a:lvl1pPr>
+          </a:lstStyle>
+          <a:p>
+            <a:r>
+              <a:rPr lang="ru-RU" sz="3200" b="1" dirty="0">
+                <a:solidFill>
+                  <a:schemeClr val="tx1">
+                    <a:lumMod val="85000"/>
+                    <a:lumOff val="15000"/>
+                  </a:schemeClr>
+                </a:solidFill>
+              </a:rPr>
+              <a:t>Качество отчетов</a:t>
+            </a:r>
+            <a:r>
+              <a:rPr lang="en-US" sz="3200" b="1" dirty="0">
+                <a:solidFill>
+                  <a:schemeClr val="tx1">
+                    <a:lumMod val="85000"/>
+                    <a:lumOff val="15000"/>
+                  </a:schemeClr>
+                </a:solidFill>
+              </a:rPr>
+              <a:t> - </a:t>
+            </a:r>
+            <a:r>
+              <a:rPr lang="ru-RU" sz="3200" dirty="0"/>
+              <a:t>количество проданных отчетов, в которых есть данные хотя бы из одного коммерческого источника</a:t>
+            </a:r>
+          </a:p>
+          <a:p>
+            <a:endParaRPr lang="ru-RU" sz="3200" b="1" dirty="0">
+              <a:solidFill>
+                <a:schemeClr val="tx1">
+                  <a:lumMod val="85000"/>
+                  <a:lumOff val="15000"/>
+                </a:schemeClr>
+              </a:solidFill>
+            </a:endParaRPr>
+          </a:p>
+        </p:txBody>
+      </p:sp>
+      <p:pic>
+        <p:nvPicPr>
+          <p:cNvPr id="12" name="Рисунок 11">
+            <a:extLst>
+              <a:ext uri="{FF2B5EF4-FFF2-40B4-BE49-F238E27FC236}">
+                <a16:creationId xmlns:a16="http://schemas.microsoft.com/office/drawing/2014/main" id="{BBDE4376-F13F-5FD8-D6B7-3C95D1A7025C}"/>
+              </a:ext>
+            </a:extLst>
+          </p:cNvPr>
+          <p:cNvPicPr>
+            <a:picLocks noChangeAspect="1"/>
+          </p:cNvPicPr>
+          <p:nvPr/>
+        </p:nvPicPr>
+        <p:blipFill>
+          <a:blip r:embed="rId2"/>
+          <a:stretch>
+            <a:fillRect/>
+          </a:stretch>
+        </p:blipFill>
+        <p:spPr>
+          <a:xfrm>
+            <a:off x="8092018" y="2175642"/>
+            <a:ext cx="3748495" cy="3755298"/>
+          </a:xfrm>
+          <a:prstGeom prst="rect">
+            <a:avLst/>
+          </a:prstGeom>
+          <a:solidFill>
+            <a:srgbClr val="FFFFFF">
+              <a:shade val="85000"/>
+            </a:srgbClr>
+          </a:solidFill>
+          <a:ln w="88900" cap="sq">
+            <a:solidFill>
+              <a:srgbClr val="FFFFFF"/>
+            </a:solidFill>
+            <a:miter lim="800000"/>
+          </a:ln>
+          <a:effectLst>
+            <a:outerShdw blurRad="55000" dist="18000" dir="5400000" algn="tl" rotWithShape="0">
+              <a:srgbClr val="000000">
+                <a:alpha val="40000"/>
+              </a:srgbClr>
+            </a:outerShdw>
+          </a:effectLst>
+          <a:scene3d>
+            <a:camera prst="orthographicFront"/>
+            <a:lightRig rig="twoPt" dir="t">
+              <a:rot lat="0" lon="0" rev="7200000"/>
+            </a:lightRig>
+          </a:scene3d>
+          <a:sp3d>
+            <a:bevelT w="25400" h="19050"/>
+            <a:contourClr>
+              <a:srgbClr val="FFFFFF"/>
+            </a:contourClr>
+          </a:sp3d>
+        </p:spPr>
+      </p:pic>
+      <p:pic>
+        <p:nvPicPr>
+          <p:cNvPr id="16" name="Рисунок 15" descr="Изображение выглядит как текст, снимок экрана, линия, Шрифт&#10;&#10;Содержимое, созданное искусственным интеллектом, может быть неверным.">
+            <a:extLst>
+              <a:ext uri="{FF2B5EF4-FFF2-40B4-BE49-F238E27FC236}">
+                <a16:creationId xmlns:a16="http://schemas.microsoft.com/office/drawing/2014/main" id="{74F38158-204C-8C5B-E1D6-7511F0401858}"/>
+              </a:ext>
+            </a:extLst>
+          </p:cNvPr>
+          <p:cNvPicPr>
+            <a:picLocks noChangeAspect="1"/>
+          </p:cNvPicPr>
+          <p:nvPr/>
+        </p:nvPicPr>
+        <p:blipFill>
+          <a:blip r:embed="rId3">
+            <a:extLst>
+              <a:ext uri="{28A0092B-C50C-407E-A947-70E740481C1C}">
+                <a14:useLocalDpi xmlns:a14="http://schemas.microsoft.com/office/drawing/2010/main" val="0"/>
+              </a:ext>
+            </a:extLst>
+          </a:blip>
+          <a:stretch>
+            <a:fillRect/>
+          </a:stretch>
+        </p:blipFill>
+        <p:spPr>
+          <a:xfrm>
+            <a:off x="977462" y="1776248"/>
+            <a:ext cx="6847431" cy="4564954"/>
+          </a:xfrm>
+          <a:prstGeom prst="rect">
+            <a:avLst/>
+          </a:prstGeom>
+          <a:solidFill>
+            <a:srgbClr val="FFFFFF">
+              <a:shade val="85000"/>
+            </a:srgbClr>
+          </a:solidFill>
+          <a:ln w="88900" cap="sq">
+            <a:solidFill>
+              <a:srgbClr val="FFFFFF"/>
+            </a:solidFill>
+            <a:miter lim="800000"/>
+          </a:ln>
+          <a:effectLst>
+            <a:outerShdw blurRad="55000" dist="18000" dir="5400000" algn="tl" rotWithShape="0">
+              <a:srgbClr val="000000">
+                <a:alpha val="40000"/>
+              </a:srgbClr>
+            </a:outerShdw>
+          </a:effectLst>
+          <a:scene3d>
+            <a:camera prst="orthographicFront"/>
+            <a:lightRig rig="twoPt" dir="t">
+              <a:rot lat="0" lon="0" rev="7200000"/>
+            </a:lightRig>
+          </a:scene3d>
+          <a:sp3d>
+            <a:bevelT w="25400" h="19050"/>
+            <a:contourClr>
+              <a:srgbClr val="FFFFFF"/>
+            </a:contourClr>
+          </a:sp3d>
+        </p:spPr>
+      </p:pic>
+    </p:spTree>
+    <p:extLst>
+      <p:ext uri="{BB962C8B-B14F-4D97-AF65-F5344CB8AC3E}">
+        <p14:creationId xmlns:p14="http://schemas.microsoft.com/office/powerpoint/2010/main" val="3986908188"/>
       </p:ext>
     </p:extLst>
   </p:cSld>

--- a/speech/presentation.pptx
+++ b/speech/presentation.pptx
@@ -9,10 +9,12 @@
     <p:sldId id="257" r:id="rId3"/>
     <p:sldId id="258" r:id="rId4"/>
     <p:sldId id="259" r:id="rId5"/>
-    <p:sldId id="260" r:id="rId6"/>
-    <p:sldId id="261" r:id="rId7"/>
-    <p:sldId id="263" r:id="rId8"/>
-    <p:sldId id="264" r:id="rId9"/>
+    <p:sldId id="261" r:id="rId6"/>
+    <p:sldId id="263" r:id="rId7"/>
+    <p:sldId id="264" r:id="rId8"/>
+    <p:sldId id="267" r:id="rId9"/>
+    <p:sldId id="266" r:id="rId10"/>
+    <p:sldId id="268" r:id="rId11"/>
   </p:sldIdLst>
   <p:sldSz cx="12192000" cy="6858000"/>
   <p:notesSz cx="6858000" cy="9144000"/>
@@ -3957,6 +3959,169 @@
 </p:sld>
 </file>
 
+<file path=ppt/slides/slide10.xml><?xml version="1.0" encoding="utf-8"?>
+<p:sld xmlns:a="http://schemas.openxmlformats.org/drawingml/2006/main" xmlns:r="http://schemas.openxmlformats.org/officeDocument/2006/relationships" xmlns:p="http://schemas.openxmlformats.org/presentationml/2006/main">
+  <p:cSld>
+    <p:spTree>
+      <p:nvGrpSpPr>
+        <p:cNvPr id="1" name="">
+          <a:extLst>
+            <a:ext uri="{FF2B5EF4-FFF2-40B4-BE49-F238E27FC236}">
+              <a16:creationId xmlns:a16="http://schemas.microsoft.com/office/drawing/2014/main" id="{3DB1C690-59D6-2B40-6475-3F27EEBE285C}"/>
+            </a:ext>
+          </a:extLst>
+        </p:cNvPr>
+        <p:cNvGrpSpPr/>
+        <p:nvPr/>
+      </p:nvGrpSpPr>
+      <p:grpSpPr>
+        <a:xfrm>
+          <a:off x="0" y="0"/>
+          <a:ext cx="0" cy="0"/>
+          <a:chOff x="0" y="0"/>
+          <a:chExt cx="0" cy="0"/>
+        </a:xfrm>
+      </p:grpSpPr>
+      <p:sp>
+        <p:nvSpPr>
+          <p:cNvPr id="4" name="Заголовок 1">
+            <a:extLst>
+              <a:ext uri="{FF2B5EF4-FFF2-40B4-BE49-F238E27FC236}">
+                <a16:creationId xmlns:a16="http://schemas.microsoft.com/office/drawing/2014/main" id="{7AC47702-9D61-6340-EBE6-B0652E7728DD}"/>
+              </a:ext>
+            </a:extLst>
+          </p:cNvPr>
+          <p:cNvSpPr txBox="1">
+            <a:spLocks/>
+          </p:cNvSpPr>
+          <p:nvPr/>
+        </p:nvSpPr>
+        <p:spPr>
+          <a:xfrm>
+            <a:off x="628072" y="87745"/>
+            <a:ext cx="11471565" cy="752764"/>
+          </a:xfrm>
+          <a:prstGeom prst="rect">
+            <a:avLst/>
+          </a:prstGeom>
+        </p:spPr>
+        <p:txBody>
+          <a:bodyPr vert="horz" lIns="91440" tIns="45720" rIns="91440" bIns="45720" rtlCol="0" anchor="t">
+            <a:noAutofit/>
+          </a:bodyPr>
+          <a:lstStyle>
+            <a:lvl1pPr algn="l" defTabSz="914400" rtl="0" eaLnBrk="1" latinLnBrk="0" hangingPunct="1">
+              <a:lnSpc>
+                <a:spcPct val="89000"/>
+              </a:lnSpc>
+              <a:spcBef>
+                <a:spcPct val="0"/>
+              </a:spcBef>
+              <a:buNone/>
+              <a:defRPr sz="4400" kern="1200" baseline="0">
+                <a:solidFill>
+                  <a:schemeClr val="tx2"/>
+                </a:solidFill>
+                <a:latin typeface="+mj-lt"/>
+                <a:ea typeface="+mj-ea"/>
+                <a:cs typeface="+mj-cs"/>
+              </a:defRPr>
+            </a:lvl1pPr>
+          </a:lstStyle>
+          <a:p>
+            <a:pPr algn="ctr"/>
+            <a:r>
+              <a:rPr lang="ru-RU" sz="4200" b="1" dirty="0">
+                <a:solidFill>
+                  <a:schemeClr val="tx1">
+                    <a:lumMod val="85000"/>
+                    <a:lumOff val="15000"/>
+                  </a:schemeClr>
+                </a:solidFill>
+              </a:rPr>
+              <a:t>Предполагаемая прибыль за расчетный период </a:t>
+            </a:r>
+          </a:p>
+        </p:txBody>
+      </p:sp>
+      <p:pic>
+        <p:nvPicPr>
+          <p:cNvPr id="3" name="Рисунок 2">
+            <a:extLst>
+              <a:ext uri="{FF2B5EF4-FFF2-40B4-BE49-F238E27FC236}">
+                <a16:creationId xmlns:a16="http://schemas.microsoft.com/office/drawing/2014/main" id="{701B2AC4-9D30-F849-3362-C8266DDADAC4}"/>
+              </a:ext>
+            </a:extLst>
+          </p:cNvPr>
+          <p:cNvPicPr>
+            <a:picLocks noChangeAspect="1"/>
+          </p:cNvPicPr>
+          <p:nvPr/>
+        </p:nvPicPr>
+        <p:blipFill>
+          <a:blip r:embed="rId2">
+            <a:extLst>
+              <a:ext uri="{28A0092B-C50C-407E-A947-70E740481C1C}">
+                <a14:useLocalDpi xmlns:a14="http://schemas.microsoft.com/office/drawing/2010/main" val="0"/>
+              </a:ext>
+            </a:extLst>
+          </a:blip>
+          <a:srcRect/>
+          <a:stretch/>
+        </p:blipFill>
+        <p:spPr>
+          <a:xfrm>
+            <a:off x="1447030" y="951346"/>
+            <a:ext cx="9297940" cy="5578764"/>
+          </a:xfrm>
+          <a:prstGeom prst="rect">
+            <a:avLst/>
+          </a:prstGeom>
+          <a:solidFill>
+            <a:srgbClr val="FFFFFF">
+              <a:shade val="85000"/>
+            </a:srgbClr>
+          </a:solidFill>
+          <a:ln w="88900" cap="sq">
+            <a:solidFill>
+              <a:srgbClr val="FFFFFF"/>
+            </a:solidFill>
+            <a:miter lim="800000"/>
+          </a:ln>
+          <a:effectLst>
+            <a:outerShdw blurRad="55000" dist="18000" dir="5400000" algn="tl" rotWithShape="0">
+              <a:srgbClr val="000000">
+                <a:alpha val="40000"/>
+              </a:srgbClr>
+            </a:outerShdw>
+          </a:effectLst>
+          <a:scene3d>
+            <a:camera prst="orthographicFront"/>
+            <a:lightRig rig="twoPt" dir="t">
+              <a:rot lat="0" lon="0" rev="7200000"/>
+            </a:lightRig>
+          </a:scene3d>
+          <a:sp3d>
+            <a:bevelT w="25400" h="19050"/>
+            <a:contourClr>
+              <a:srgbClr val="FFFFFF"/>
+            </a:contourClr>
+          </a:sp3d>
+        </p:spPr>
+      </p:pic>
+    </p:spTree>
+    <p:extLst>
+      <p:ext uri="{BB962C8B-B14F-4D97-AF65-F5344CB8AC3E}">
+        <p14:creationId xmlns:p14="http://schemas.microsoft.com/office/powerpoint/2010/main" val="1776132438"/>
+      </p:ext>
+    </p:extLst>
+  </p:cSld>
+  <p:clrMapOvr>
+    <a:masterClrMapping/>
+  </p:clrMapOvr>
+</p:sld>
+</file>
+
 <file path=ppt/slides/slide2.xml><?xml version="1.0" encoding="utf-8"?>
 <p:sld xmlns:a="http://schemas.openxmlformats.org/drawingml/2006/main" xmlns:r="http://schemas.openxmlformats.org/officeDocument/2006/relationships" xmlns:p="http://schemas.openxmlformats.org/presentationml/2006/main">
   <p:cSld>
@@ -4679,219 +4844,6 @@
 <file path=ppt/slides/slide5.xml><?xml version="1.0" encoding="utf-8"?>
 <p:sld xmlns:a="http://schemas.openxmlformats.org/drawingml/2006/main" xmlns:r="http://schemas.openxmlformats.org/officeDocument/2006/relationships" xmlns:p="http://schemas.openxmlformats.org/presentationml/2006/main">
   <p:cSld>
-    <p:spTree>
-      <p:nvGrpSpPr>
-        <p:cNvPr id="1" name="">
-          <a:extLst>
-            <a:ext uri="{FF2B5EF4-FFF2-40B4-BE49-F238E27FC236}">
-              <a16:creationId xmlns:a16="http://schemas.microsoft.com/office/drawing/2014/main" id="{E47EC057-AB8D-D7E9-07CD-FB956AD95343}"/>
-            </a:ext>
-          </a:extLst>
-        </p:cNvPr>
-        <p:cNvGrpSpPr/>
-        <p:nvPr/>
-      </p:nvGrpSpPr>
-      <p:grpSpPr>
-        <a:xfrm>
-          <a:off x="0" y="0"/>
-          <a:ext cx="0" cy="0"/>
-          <a:chOff x="0" y="0"/>
-          <a:chExt cx="0" cy="0"/>
-        </a:xfrm>
-      </p:grpSpPr>
-      <p:sp>
-        <p:nvSpPr>
-          <p:cNvPr id="4" name="Заголовок 1">
-            <a:extLst>
-              <a:ext uri="{FF2B5EF4-FFF2-40B4-BE49-F238E27FC236}">
-                <a16:creationId xmlns:a16="http://schemas.microsoft.com/office/drawing/2014/main" id="{DA5B3C3A-9B84-D1A4-ADA3-D8C5597467FD}"/>
-              </a:ext>
-            </a:extLst>
-          </p:cNvPr>
-          <p:cNvSpPr txBox="1">
-            <a:spLocks/>
-          </p:cNvSpPr>
-          <p:nvPr/>
-        </p:nvSpPr>
-        <p:spPr>
-          <a:xfrm>
-            <a:off x="872836" y="272473"/>
-            <a:ext cx="11023599" cy="1334654"/>
-          </a:xfrm>
-          <a:prstGeom prst="rect">
-            <a:avLst/>
-          </a:prstGeom>
-        </p:spPr>
-        <p:txBody>
-          <a:bodyPr vert="horz" lIns="91440" tIns="45720" rIns="91440" bIns="45720" rtlCol="0" anchor="t">
-            <a:noAutofit/>
-          </a:bodyPr>
-          <a:lstStyle>
-            <a:lvl1pPr algn="l" defTabSz="914400" rtl="0" eaLnBrk="1" latinLnBrk="0" hangingPunct="1">
-              <a:lnSpc>
-                <a:spcPct val="89000"/>
-              </a:lnSpc>
-              <a:spcBef>
-                <a:spcPct val="0"/>
-              </a:spcBef>
-              <a:buNone/>
-              <a:defRPr sz="4400" kern="1200" baseline="0">
-                <a:solidFill>
-                  <a:schemeClr val="tx2"/>
-                </a:solidFill>
-                <a:latin typeface="+mj-lt"/>
-                <a:ea typeface="+mj-ea"/>
-                <a:cs typeface="+mj-cs"/>
-              </a:defRPr>
-            </a:lvl1pPr>
-          </a:lstStyle>
-          <a:p>
-            <a:r>
-              <a:rPr lang="ru-RU" b="1" dirty="0"/>
-              <a:t>Блок 2</a:t>
-            </a:r>
-          </a:p>
-        </p:txBody>
-      </p:sp>
-      <p:sp>
-        <p:nvSpPr>
-          <p:cNvPr id="3" name="Заголовок 1">
-            <a:extLst>
-              <a:ext uri="{FF2B5EF4-FFF2-40B4-BE49-F238E27FC236}">
-                <a16:creationId xmlns:a16="http://schemas.microsoft.com/office/drawing/2014/main" id="{CDC3A7DA-146F-1E2D-6EAD-A3FDB8DA0D0D}"/>
-              </a:ext>
-            </a:extLst>
-          </p:cNvPr>
-          <p:cNvSpPr txBox="1">
-            <a:spLocks/>
-          </p:cNvSpPr>
-          <p:nvPr/>
-        </p:nvSpPr>
-        <p:spPr>
-          <a:xfrm>
-            <a:off x="872835" y="2258292"/>
-            <a:ext cx="11490037" cy="1334654"/>
-          </a:xfrm>
-          <a:prstGeom prst="rect">
-            <a:avLst/>
-          </a:prstGeom>
-        </p:spPr>
-        <p:txBody>
-          <a:bodyPr vert="horz" lIns="91440" tIns="45720" rIns="91440" bIns="45720" rtlCol="0" anchor="t">
-            <a:noAutofit/>
-          </a:bodyPr>
-          <a:lstStyle>
-            <a:lvl1pPr algn="l" defTabSz="914400" rtl="0" eaLnBrk="1" latinLnBrk="0" hangingPunct="1">
-              <a:lnSpc>
-                <a:spcPct val="89000"/>
-              </a:lnSpc>
-              <a:spcBef>
-                <a:spcPct val="0"/>
-              </a:spcBef>
-              <a:buNone/>
-              <a:defRPr sz="4400" kern="1200" baseline="0">
-                <a:solidFill>
-                  <a:schemeClr val="tx2"/>
-                </a:solidFill>
-                <a:latin typeface="+mj-lt"/>
-                <a:ea typeface="+mj-ea"/>
-                <a:cs typeface="+mj-cs"/>
-              </a:defRPr>
-            </a:lvl1pPr>
-          </a:lstStyle>
-          <a:p>
-            <a:r>
-              <a:rPr lang="ru-RU" sz="3200" b="1" dirty="0"/>
-              <a:t>Качество отчетов</a:t>
-            </a:r>
-            <a:br>
-              <a:rPr lang="ru-RU" sz="3200" b="1" dirty="0"/>
-            </a:br>
-            <a:r>
-              <a:rPr lang="ru-RU" sz="3200" b="1" dirty="0"/>
-              <a:t>Табличка(</a:t>
-            </a:r>
-            <a:r>
-              <a:rPr lang="ru-RU" sz="3200" b="1" dirty="0" err="1"/>
-              <a:t>мб</a:t>
-            </a:r>
-            <a:r>
-              <a:rPr lang="ru-RU" sz="3200" b="1" dirty="0"/>
-              <a:t> гистограмма) средних потерь</a:t>
-            </a:r>
-          </a:p>
-        </p:txBody>
-      </p:sp>
-      <p:sp>
-        <p:nvSpPr>
-          <p:cNvPr id="5" name="Заголовок 1">
-            <a:extLst>
-              <a:ext uri="{FF2B5EF4-FFF2-40B4-BE49-F238E27FC236}">
-                <a16:creationId xmlns:a16="http://schemas.microsoft.com/office/drawing/2014/main" id="{DA4290A1-9F71-8FAB-7FF4-ACBE21AAA10B}"/>
-              </a:ext>
-            </a:extLst>
-          </p:cNvPr>
-          <p:cNvSpPr txBox="1">
-            <a:spLocks/>
-          </p:cNvSpPr>
-          <p:nvPr/>
-        </p:nvSpPr>
-        <p:spPr>
-          <a:xfrm>
-            <a:off x="872835" y="3842329"/>
-            <a:ext cx="9481130" cy="1468580"/>
-          </a:xfrm>
-          <a:prstGeom prst="rect">
-            <a:avLst/>
-          </a:prstGeom>
-        </p:spPr>
-        <p:txBody>
-          <a:bodyPr vert="horz" lIns="91440" tIns="45720" rIns="91440" bIns="45720" rtlCol="0" anchor="t">
-            <a:noAutofit/>
-          </a:bodyPr>
-          <a:lstStyle>
-            <a:lvl1pPr algn="l" defTabSz="914400" rtl="0" eaLnBrk="1" latinLnBrk="0" hangingPunct="1">
-              <a:lnSpc>
-                <a:spcPct val="89000"/>
-              </a:lnSpc>
-              <a:spcBef>
-                <a:spcPct val="0"/>
-              </a:spcBef>
-              <a:buNone/>
-              <a:defRPr sz="4400" kern="1200" baseline="0">
-                <a:solidFill>
-                  <a:schemeClr val="tx2"/>
-                </a:solidFill>
-                <a:latin typeface="+mj-lt"/>
-                <a:ea typeface="+mj-ea"/>
-                <a:cs typeface="+mj-cs"/>
-              </a:defRPr>
-            </a:lvl1pPr>
-          </a:lstStyle>
-          <a:p>
-            <a:r>
-              <a:rPr lang="ru-RU" sz="3200" b="1" dirty="0"/>
-              <a:t>Алгоритм минимизации расходов</a:t>
-            </a:r>
-          </a:p>
-        </p:txBody>
-      </p:sp>
-    </p:spTree>
-    <p:extLst>
-      <p:ext uri="{BB962C8B-B14F-4D97-AF65-F5344CB8AC3E}">
-        <p14:creationId xmlns:p14="http://schemas.microsoft.com/office/powerpoint/2010/main" val="3477956793"/>
-      </p:ext>
-    </p:extLst>
-  </p:cSld>
-  <p:clrMapOvr>
-    <a:masterClrMapping/>
-  </p:clrMapOvr>
-</p:sld>
-</file>
-
-<file path=ppt/slides/slide6.xml><?xml version="1.0" encoding="utf-8"?>
-<p:sld xmlns:a="http://schemas.openxmlformats.org/drawingml/2006/main" xmlns:r="http://schemas.openxmlformats.org/officeDocument/2006/relationships" xmlns:p="http://schemas.openxmlformats.org/presentationml/2006/main">
-  <p:cSld>
     <p:bg>
       <p:bgPr>
         <a:solidFill>
@@ -5075,7 +5027,7 @@
 </p:sld>
 </file>
 
-<file path=ppt/slides/slide7.xml><?xml version="1.0" encoding="utf-8"?>
+<file path=ppt/slides/slide6.xml><?xml version="1.0" encoding="utf-8"?>
 <p:sld xmlns:a="http://schemas.openxmlformats.org/drawingml/2006/main" xmlns:r="http://schemas.openxmlformats.org/officeDocument/2006/relationships" xmlns:p="http://schemas.openxmlformats.org/presentationml/2006/main">
   <p:cSld>
     <p:spTree>
@@ -5252,7 +5204,7 @@
 </p:sld>
 </file>
 
-<file path=ppt/slides/slide8.xml><?xml version="1.0" encoding="utf-8"?>
+<file path=ppt/slides/slide7.xml><?xml version="1.0" encoding="utf-8"?>
 <p:sld xmlns:a="http://schemas.openxmlformats.org/drawingml/2006/main" xmlns:r="http://schemas.openxmlformats.org/officeDocument/2006/relationships" xmlns:p="http://schemas.openxmlformats.org/presentationml/2006/main">
   <p:cSld>
     <p:spTree>
@@ -5491,6 +5443,332 @@
     <p:extLst>
       <p:ext uri="{BB962C8B-B14F-4D97-AF65-F5344CB8AC3E}">
         <p14:creationId xmlns:p14="http://schemas.microsoft.com/office/powerpoint/2010/main" val="3986908188"/>
+      </p:ext>
+    </p:extLst>
+  </p:cSld>
+  <p:clrMapOvr>
+    <a:masterClrMapping/>
+  </p:clrMapOvr>
+</p:sld>
+</file>
+
+<file path=ppt/slides/slide8.xml><?xml version="1.0" encoding="utf-8"?>
+<p:sld xmlns:a="http://schemas.openxmlformats.org/drawingml/2006/main" xmlns:r="http://schemas.openxmlformats.org/officeDocument/2006/relationships" xmlns:p="http://schemas.openxmlformats.org/presentationml/2006/main">
+  <p:cSld>
+    <p:spTree>
+      <p:nvGrpSpPr>
+        <p:cNvPr id="1" name="">
+          <a:extLst>
+            <a:ext uri="{FF2B5EF4-FFF2-40B4-BE49-F238E27FC236}">
+              <a16:creationId xmlns:a16="http://schemas.microsoft.com/office/drawing/2014/main" id="{A6896571-60E4-A984-6A71-E790598C5FE7}"/>
+            </a:ext>
+          </a:extLst>
+        </p:cNvPr>
+        <p:cNvGrpSpPr/>
+        <p:nvPr/>
+      </p:nvGrpSpPr>
+      <p:grpSpPr>
+        <a:xfrm>
+          <a:off x="0" y="0"/>
+          <a:ext cx="0" cy="0"/>
+          <a:chOff x="0" y="0"/>
+          <a:chExt cx="0" cy="0"/>
+        </a:xfrm>
+      </p:grpSpPr>
+      <p:sp>
+        <p:nvSpPr>
+          <p:cNvPr id="4" name="Заголовок 1">
+            <a:extLst>
+              <a:ext uri="{FF2B5EF4-FFF2-40B4-BE49-F238E27FC236}">
+                <a16:creationId xmlns:a16="http://schemas.microsoft.com/office/drawing/2014/main" id="{80340C27-FA90-02EC-3619-949B2FC6A416}"/>
+              </a:ext>
+            </a:extLst>
+          </p:cNvPr>
+          <p:cNvSpPr txBox="1">
+            <a:spLocks/>
+          </p:cNvSpPr>
+          <p:nvPr/>
+        </p:nvSpPr>
+        <p:spPr>
+          <a:xfrm>
+            <a:off x="628072" y="87745"/>
+            <a:ext cx="11471565" cy="752764"/>
+          </a:xfrm>
+          <a:prstGeom prst="rect">
+            <a:avLst/>
+          </a:prstGeom>
+        </p:spPr>
+        <p:txBody>
+          <a:bodyPr vert="horz" lIns="91440" tIns="45720" rIns="91440" bIns="45720" rtlCol="0" anchor="t">
+            <a:noAutofit/>
+          </a:bodyPr>
+          <a:lstStyle>
+            <a:lvl1pPr algn="l" defTabSz="914400" rtl="0" eaLnBrk="1" latinLnBrk="0" hangingPunct="1">
+              <a:lnSpc>
+                <a:spcPct val="89000"/>
+              </a:lnSpc>
+              <a:spcBef>
+                <a:spcPct val="0"/>
+              </a:spcBef>
+              <a:buNone/>
+              <a:defRPr sz="4400" kern="1200" baseline="0">
+                <a:solidFill>
+                  <a:schemeClr val="tx2"/>
+                </a:solidFill>
+                <a:latin typeface="+mj-lt"/>
+                <a:ea typeface="+mj-ea"/>
+                <a:cs typeface="+mj-cs"/>
+              </a:defRPr>
+            </a:lvl1pPr>
+          </a:lstStyle>
+          <a:p>
+            <a:pPr algn="ctr"/>
+            <a:r>
+              <a:rPr lang="ru-RU" sz="4200" b="1" dirty="0">
+                <a:solidFill>
+                  <a:schemeClr val="tx1">
+                    <a:lumMod val="85000"/>
+                    <a:lumOff val="15000"/>
+                  </a:schemeClr>
+                </a:solidFill>
+              </a:rPr>
+              <a:t>Средняя себестоимость одного отчета</a:t>
+            </a:r>
+          </a:p>
+        </p:txBody>
+      </p:sp>
+      <p:pic>
+        <p:nvPicPr>
+          <p:cNvPr id="3" name="Рисунок 2">
+            <a:extLst>
+              <a:ext uri="{FF2B5EF4-FFF2-40B4-BE49-F238E27FC236}">
+                <a16:creationId xmlns:a16="http://schemas.microsoft.com/office/drawing/2014/main" id="{DBDA9304-4911-6296-6135-02D43433958D}"/>
+              </a:ext>
+            </a:extLst>
+          </p:cNvPr>
+          <p:cNvPicPr>
+            <a:picLocks noChangeAspect="1"/>
+          </p:cNvPicPr>
+          <p:nvPr/>
+        </p:nvPicPr>
+        <p:blipFill>
+          <a:blip r:embed="rId2">
+            <a:extLst>
+              <a:ext uri="{28A0092B-C50C-407E-A947-70E740481C1C}">
+                <a14:useLocalDpi xmlns:a14="http://schemas.microsoft.com/office/drawing/2010/main" val="0"/>
+              </a:ext>
+            </a:extLst>
+          </a:blip>
+          <a:srcRect/>
+          <a:stretch/>
+        </p:blipFill>
+        <p:spPr>
+          <a:xfrm>
+            <a:off x="1447030" y="951346"/>
+            <a:ext cx="9297940" cy="5578764"/>
+          </a:xfrm>
+          <a:prstGeom prst="rect">
+            <a:avLst/>
+          </a:prstGeom>
+          <a:solidFill>
+            <a:srgbClr val="FFFFFF">
+              <a:shade val="85000"/>
+            </a:srgbClr>
+          </a:solidFill>
+          <a:ln w="88900" cap="sq">
+            <a:solidFill>
+              <a:srgbClr val="FFFFFF"/>
+            </a:solidFill>
+            <a:miter lim="800000"/>
+          </a:ln>
+          <a:effectLst>
+            <a:outerShdw blurRad="55000" dist="18000" dir="5400000" algn="tl" rotWithShape="0">
+              <a:srgbClr val="000000">
+                <a:alpha val="40000"/>
+              </a:srgbClr>
+            </a:outerShdw>
+          </a:effectLst>
+          <a:scene3d>
+            <a:camera prst="orthographicFront"/>
+            <a:lightRig rig="twoPt" dir="t">
+              <a:rot lat="0" lon="0" rev="7200000"/>
+            </a:lightRig>
+          </a:scene3d>
+          <a:sp3d>
+            <a:bevelT w="25400" h="19050"/>
+            <a:contourClr>
+              <a:srgbClr val="FFFFFF"/>
+            </a:contourClr>
+          </a:sp3d>
+        </p:spPr>
+      </p:pic>
+    </p:spTree>
+    <p:extLst>
+      <p:ext uri="{BB962C8B-B14F-4D97-AF65-F5344CB8AC3E}">
+        <p14:creationId xmlns:p14="http://schemas.microsoft.com/office/powerpoint/2010/main" val="1528113949"/>
+      </p:ext>
+    </p:extLst>
+  </p:cSld>
+  <p:clrMapOvr>
+    <a:masterClrMapping/>
+  </p:clrMapOvr>
+</p:sld>
+</file>
+
+<file path=ppt/slides/slide9.xml><?xml version="1.0" encoding="utf-8"?>
+<p:sld xmlns:a="http://schemas.openxmlformats.org/drawingml/2006/main" xmlns:r="http://schemas.openxmlformats.org/officeDocument/2006/relationships" xmlns:p="http://schemas.openxmlformats.org/presentationml/2006/main">
+  <p:cSld>
+    <p:spTree>
+      <p:nvGrpSpPr>
+        <p:cNvPr id="1" name="">
+          <a:extLst>
+            <a:ext uri="{FF2B5EF4-FFF2-40B4-BE49-F238E27FC236}">
+              <a16:creationId xmlns:a16="http://schemas.microsoft.com/office/drawing/2014/main" id="{85C635EE-4A18-4C0A-915D-B2C836EB865C}"/>
+            </a:ext>
+          </a:extLst>
+        </p:cNvPr>
+        <p:cNvGrpSpPr/>
+        <p:nvPr/>
+      </p:nvGrpSpPr>
+      <p:grpSpPr>
+        <a:xfrm>
+          <a:off x="0" y="0"/>
+          <a:ext cx="0" cy="0"/>
+          <a:chOff x="0" y="0"/>
+          <a:chExt cx="0" cy="0"/>
+        </a:xfrm>
+      </p:grpSpPr>
+      <p:pic>
+        <p:nvPicPr>
+          <p:cNvPr id="3" name="Рисунок 2">
+            <a:extLst>
+              <a:ext uri="{FF2B5EF4-FFF2-40B4-BE49-F238E27FC236}">
+                <a16:creationId xmlns:a16="http://schemas.microsoft.com/office/drawing/2014/main" id="{A0C7FEC7-2CEC-E6CA-D7BA-B08311E1F9BE}"/>
+              </a:ext>
+            </a:extLst>
+          </p:cNvPr>
+          <p:cNvPicPr>
+            <a:picLocks noChangeAspect="1"/>
+          </p:cNvPicPr>
+          <p:nvPr/>
+        </p:nvPicPr>
+        <p:blipFill>
+          <a:blip r:embed="rId2">
+            <a:extLst>
+              <a:ext uri="{28A0092B-C50C-407E-A947-70E740481C1C}">
+                <a14:useLocalDpi xmlns:a14="http://schemas.microsoft.com/office/drawing/2010/main" val="0"/>
+              </a:ext>
+            </a:extLst>
+          </a:blip>
+          <a:srcRect/>
+          <a:stretch/>
+        </p:blipFill>
+        <p:spPr>
+          <a:xfrm>
+            <a:off x="1447030" y="951346"/>
+            <a:ext cx="9297940" cy="5578764"/>
+          </a:xfrm>
+          <a:prstGeom prst="rect">
+            <a:avLst/>
+          </a:prstGeom>
+          <a:solidFill>
+            <a:srgbClr val="FFFFFF">
+              <a:shade val="85000"/>
+            </a:srgbClr>
+          </a:solidFill>
+          <a:ln w="88900" cap="sq">
+            <a:solidFill>
+              <a:srgbClr val="FFFFFF"/>
+            </a:solidFill>
+            <a:miter lim="800000"/>
+          </a:ln>
+          <a:effectLst>
+            <a:outerShdw blurRad="55000" dist="18000" dir="5400000" algn="tl" rotWithShape="0">
+              <a:srgbClr val="000000">
+                <a:alpha val="40000"/>
+              </a:srgbClr>
+            </a:outerShdw>
+          </a:effectLst>
+          <a:scene3d>
+            <a:camera prst="orthographicFront"/>
+            <a:lightRig rig="twoPt" dir="t">
+              <a:rot lat="0" lon="0" rev="7200000"/>
+            </a:lightRig>
+          </a:scene3d>
+          <a:sp3d>
+            <a:bevelT w="25400" h="19050"/>
+            <a:contourClr>
+              <a:srgbClr val="FFFFFF"/>
+            </a:contourClr>
+          </a:sp3d>
+        </p:spPr>
+      </p:pic>
+      <p:sp>
+        <p:nvSpPr>
+          <p:cNvPr id="2" name="Заголовок 1">
+            <a:extLst>
+              <a:ext uri="{FF2B5EF4-FFF2-40B4-BE49-F238E27FC236}">
+                <a16:creationId xmlns:a16="http://schemas.microsoft.com/office/drawing/2014/main" id="{3A0EC444-00FE-139A-AB67-DA60F34CB476}"/>
+              </a:ext>
+            </a:extLst>
+          </p:cNvPr>
+          <p:cNvSpPr txBox="1">
+            <a:spLocks/>
+          </p:cNvSpPr>
+          <p:nvPr/>
+        </p:nvSpPr>
+        <p:spPr>
+          <a:xfrm>
+            <a:off x="628072" y="87745"/>
+            <a:ext cx="11471565" cy="752764"/>
+          </a:xfrm>
+          <a:prstGeom prst="rect">
+            <a:avLst/>
+          </a:prstGeom>
+        </p:spPr>
+        <p:txBody>
+          <a:bodyPr vert="horz" lIns="91440" tIns="45720" rIns="91440" bIns="45720" rtlCol="0" anchor="t">
+            <a:noAutofit/>
+          </a:bodyPr>
+          <a:lstStyle>
+            <a:lvl1pPr algn="l" defTabSz="914400" rtl="0" eaLnBrk="1" latinLnBrk="0" hangingPunct="1">
+              <a:lnSpc>
+                <a:spcPct val="89000"/>
+              </a:lnSpc>
+              <a:spcBef>
+                <a:spcPct val="0"/>
+              </a:spcBef>
+              <a:buNone/>
+              <a:defRPr sz="4400" kern="1200" baseline="0">
+                <a:solidFill>
+                  <a:schemeClr val="tx2"/>
+                </a:solidFill>
+                <a:latin typeface="+mj-lt"/>
+                <a:ea typeface="+mj-ea"/>
+                <a:cs typeface="+mj-cs"/>
+              </a:defRPr>
+            </a:lvl1pPr>
+          </a:lstStyle>
+          <a:p>
+            <a:pPr algn="ctr"/>
+            <a:r>
+              <a:rPr lang="ru-RU" sz="4200" b="1" dirty="0">
+                <a:solidFill>
+                  <a:schemeClr val="tx1">
+                    <a:lumMod val="85000"/>
+                    <a:lumOff val="15000"/>
+                  </a:schemeClr>
+                </a:solidFill>
+              </a:rPr>
+              <a:t>Среднее качество отчетов</a:t>
+            </a:r>
+          </a:p>
+        </p:txBody>
+      </p:sp>
+    </p:spTree>
+    <p:extLst>
+      <p:ext uri="{BB962C8B-B14F-4D97-AF65-F5344CB8AC3E}">
+        <p14:creationId xmlns:p14="http://schemas.microsoft.com/office/powerpoint/2010/main" val="1592080267"/>
       </p:ext>
     </p:extLst>
   </p:cSld>

--- a/speech/presentation.pptx
+++ b/speech/presentation.pptx
@@ -9,7 +9,7 @@
     <p:sldId id="257" r:id="rId3"/>
     <p:sldId id="258" r:id="rId4"/>
     <p:sldId id="259" r:id="rId5"/>
-    <p:sldId id="260" r:id="rId6"/>
+    <p:sldId id="266" r:id="rId6"/>
     <p:sldId id="261" r:id="rId7"/>
     <p:sldId id="263" r:id="rId8"/>
     <p:sldId id="264" r:id="rId9"/>
@@ -288,7 +288,7 @@
           <a:p>
             <a:fld id="{71FD7FF2-845F-41B9-944F-35B90659B7D6}" type="datetimeFigureOut">
               <a:rPr lang="en-US" smtClean="0"/>
-              <a:t>6/23/2025</a:t>
+              <a:t>6/24/2025</a:t>
             </a:fld>
             <a:endParaRPr lang="en-US"/>
           </a:p>
@@ -618,7 +618,7 @@
           <a:p>
             <a:fld id="{71FD7FF2-845F-41B9-944F-35B90659B7D6}" type="datetimeFigureOut">
               <a:rPr lang="en-US" smtClean="0"/>
-              <a:t>6/23/2025</a:t>
+              <a:t>6/24/2025</a:t>
             </a:fld>
             <a:endParaRPr lang="en-US"/>
           </a:p>
@@ -798,7 +798,7 @@
           <a:p>
             <a:fld id="{71FD7FF2-845F-41B9-944F-35B90659B7D6}" type="datetimeFigureOut">
               <a:rPr lang="en-US" smtClean="0"/>
-              <a:t>6/23/2025</a:t>
+              <a:t>6/24/2025</a:t>
             </a:fld>
             <a:endParaRPr lang="en-US"/>
           </a:p>
@@ -968,7 +968,7 @@
           <a:p>
             <a:fld id="{71FD7FF2-845F-41B9-944F-35B90659B7D6}" type="datetimeFigureOut">
               <a:rPr lang="en-US" smtClean="0"/>
-              <a:t>6/23/2025</a:t>
+              <a:t>6/24/2025</a:t>
             </a:fld>
             <a:endParaRPr lang="en-US"/>
           </a:p>
@@ -1245,7 +1245,7 @@
           <a:p>
             <a:fld id="{71FD7FF2-845F-41B9-944F-35B90659B7D6}" type="datetimeFigureOut">
               <a:rPr lang="en-US" smtClean="0"/>
-              <a:t>6/23/2025</a:t>
+              <a:t>6/24/2025</a:t>
             </a:fld>
             <a:endParaRPr lang="en-US"/>
           </a:p>
@@ -1639,7 +1639,7 @@
           <a:p>
             <a:fld id="{71FD7FF2-845F-41B9-944F-35B90659B7D6}" type="datetimeFigureOut">
               <a:rPr lang="en-US" smtClean="0"/>
-              <a:t>6/23/2025</a:t>
+              <a:t>6/24/2025</a:t>
             </a:fld>
             <a:endParaRPr lang="en-US"/>
           </a:p>
@@ -2116,7 +2116,7 @@
           <a:p>
             <a:fld id="{71FD7FF2-845F-41B9-944F-35B90659B7D6}" type="datetimeFigureOut">
               <a:rPr lang="en-US" smtClean="0"/>
-              <a:t>6/23/2025</a:t>
+              <a:t>6/24/2025</a:t>
             </a:fld>
             <a:endParaRPr lang="en-US"/>
           </a:p>
@@ -2234,7 +2234,7 @@
           <a:p>
             <a:fld id="{71FD7FF2-845F-41B9-944F-35B90659B7D6}" type="datetimeFigureOut">
               <a:rPr lang="en-US" smtClean="0"/>
-              <a:t>6/23/2025</a:t>
+              <a:t>6/24/2025</a:t>
             </a:fld>
             <a:endParaRPr lang="en-US"/>
           </a:p>
@@ -2329,7 +2329,7 @@
           <a:p>
             <a:fld id="{71FD7FF2-845F-41B9-944F-35B90659B7D6}" type="datetimeFigureOut">
               <a:rPr lang="en-US" smtClean="0"/>
-              <a:t>6/23/2025</a:t>
+              <a:t>6/24/2025</a:t>
             </a:fld>
             <a:endParaRPr lang="en-US"/>
           </a:p>
@@ -2675,7 +2675,7 @@
           <a:p>
             <a:fld id="{71FD7FF2-845F-41B9-944F-35B90659B7D6}" type="datetimeFigureOut">
               <a:rPr lang="en-US" smtClean="0"/>
-              <a:t>6/23/2025</a:t>
+              <a:t>6/24/2025</a:t>
             </a:fld>
             <a:endParaRPr lang="en-US"/>
           </a:p>
@@ -3063,7 +3063,7 @@
           <a:p>
             <a:fld id="{71FD7FF2-845F-41B9-944F-35B90659B7D6}" type="datetimeFigureOut">
               <a:rPr lang="en-US" smtClean="0"/>
-              <a:t>6/23/2025</a:t>
+              <a:t>6/24/2025</a:t>
             </a:fld>
             <a:endParaRPr lang="en-US"/>
           </a:p>
@@ -3341,7 +3341,7 @@
           <a:p>
             <a:fld id="{71FD7FF2-845F-41B9-944F-35B90659B7D6}" type="datetimeFigureOut">
               <a:rPr lang="en-US" smtClean="0"/>
-              <a:t>6/23/2025</a:t>
+              <a:t>6/24/2025</a:t>
             </a:fld>
             <a:endParaRPr lang="en-US"/>
           </a:p>
@@ -4376,8 +4376,8 @@
         </p:nvSpPr>
         <p:spPr>
           <a:xfrm>
-            <a:off x="872836" y="272473"/>
-            <a:ext cx="11023599" cy="1334654"/>
+            <a:off x="3348916" y="137104"/>
+            <a:ext cx="6071428" cy="1334654"/>
           </a:xfrm>
           <a:prstGeom prst="rect">
             <a:avLst/>
@@ -4407,9 +4407,10 @@
             </a:lvl1pPr>
           </a:lstStyle>
           <a:p>
+            <a:pPr algn="ctr"/>
             <a:r>
               <a:rPr lang="ru-RU" b="1" dirty="0"/>
-              <a:t>О раундах улучшений</a:t>
+              <a:t>Раунды улучшений</a:t>
             </a:r>
           </a:p>
         </p:txBody>
@@ -4461,16 +4462,7 @@
             </a:lvl1pPr>
           </a:lstStyle>
           <a:p>
-            <a:r>
-              <a:rPr lang="ru-RU" b="1" dirty="0"/>
-              <a:t>Табличку дата / изменяемые источники </a:t>
-            </a:r>
-          </a:p>
-          <a:p>
-            <a:r>
-              <a:rPr lang="ru-RU" b="1" dirty="0"/>
-              <a:t>(параметры источников)</a:t>
-            </a:r>
+            <a:endParaRPr lang="ru-RU" b="1" dirty="0"/>
           </a:p>
         </p:txBody>
       </p:sp>
@@ -4521,14 +4513,6 @@
             </a:lvl1pPr>
           </a:lstStyle>
           <a:p>
-            <a:r>
-              <a:rPr lang="ru-RU" b="1" dirty="0"/>
-              <a:t>Графики, методы, скользящее среднее и </a:t>
-            </a:r>
-            <a:r>
-              <a:rPr lang="ru-RU" b="1" dirty="0" err="1"/>
-              <a:t>тд</a:t>
-            </a:r>
             <a:endParaRPr lang="ru-RU" b="1" dirty="0"/>
           </a:p>
         </p:txBody>
@@ -4580,26 +4564,6 @@
             </a:lvl1pPr>
           </a:lstStyle>
           <a:p>
-            <a:r>
-              <a:rPr lang="ru-RU" b="1"/>
-              <a:t>Гистограмма </a:t>
-            </a:r>
-            <a:r>
-              <a:rPr lang="en-US" b="1"/>
-              <a:t>“</a:t>
-            </a:r>
-            <a:r>
-              <a:rPr lang="ru-RU" b="1"/>
-              <a:t>процентные изменения в среднем</a:t>
-            </a:r>
-            <a:r>
-              <a:rPr lang="en-US" b="1"/>
-              <a:t>”</a:t>
-            </a:r>
-            <a:r>
-              <a:rPr lang="ru-RU" b="1"/>
-              <a:t> </a:t>
-            </a:r>
             <a:endParaRPr lang="ru-RU" b="1" dirty="0"/>
           </a:p>
         </p:txBody>
@@ -4653,16 +4617,101 @@
           <a:p>
             <a:r>
               <a:rPr lang="ru-RU" b="1" dirty="0"/>
-              <a:t>Вывести столбцы и поболтать про причины / выбросы и </a:t>
-            </a:r>
-            <a:r>
-              <a:rPr lang="ru-RU" b="1" dirty="0" err="1"/>
-              <a:t>тд</a:t>
-            </a:r>
-            <a:endParaRPr lang="ru-RU" b="1" dirty="0"/>
-          </a:p>
-        </p:txBody>
-      </p:sp>
+              <a:t> </a:t>
+            </a:r>
+          </a:p>
+        </p:txBody>
+      </p:sp>
+      <p:pic>
+        <p:nvPicPr>
+          <p:cNvPr id="3" name="Рисунок 2">
+            <a:extLst>
+              <a:ext uri="{FF2B5EF4-FFF2-40B4-BE49-F238E27FC236}">
+                <a16:creationId xmlns:a16="http://schemas.microsoft.com/office/drawing/2014/main" id="{DEA683B3-8745-2AD9-7B78-86E641BBCD68}"/>
+              </a:ext>
+            </a:extLst>
+          </p:cNvPr>
+          <p:cNvPicPr>
+            <a:picLocks noChangeAspect="1"/>
+          </p:cNvPicPr>
+          <p:nvPr/>
+        </p:nvPicPr>
+        <p:blipFill>
+          <a:blip r:embed="rId2"/>
+          <a:stretch>
+            <a:fillRect/>
+          </a:stretch>
+        </p:blipFill>
+        <p:spPr>
+          <a:xfrm>
+            <a:off x="1731669" y="1011263"/>
+            <a:ext cx="9305925" cy="1866900"/>
+          </a:xfrm>
+          <a:prstGeom prst="rect">
+            <a:avLst/>
+          </a:prstGeom>
+        </p:spPr>
+      </p:pic>
+      <p:pic>
+        <p:nvPicPr>
+          <p:cNvPr id="6" name="Рисунок 5">
+            <a:extLst>
+              <a:ext uri="{FF2B5EF4-FFF2-40B4-BE49-F238E27FC236}">
+                <a16:creationId xmlns:a16="http://schemas.microsoft.com/office/drawing/2014/main" id="{E00C3088-ACF2-0C77-CC8E-AC176BC4C55B}"/>
+              </a:ext>
+            </a:extLst>
+          </p:cNvPr>
+          <p:cNvPicPr>
+            <a:picLocks noChangeAspect="1"/>
+          </p:cNvPicPr>
+          <p:nvPr/>
+        </p:nvPicPr>
+        <p:blipFill>
+          <a:blip r:embed="rId3"/>
+          <a:stretch>
+            <a:fillRect/>
+          </a:stretch>
+        </p:blipFill>
+        <p:spPr>
+          <a:xfrm>
+            <a:off x="1731668" y="2875687"/>
+            <a:ext cx="9305925" cy="1924050"/>
+          </a:xfrm>
+          <a:prstGeom prst="rect">
+            <a:avLst/>
+          </a:prstGeom>
+        </p:spPr>
+      </p:pic>
+      <p:pic>
+        <p:nvPicPr>
+          <p:cNvPr id="12" name="Рисунок 11">
+            <a:extLst>
+              <a:ext uri="{FF2B5EF4-FFF2-40B4-BE49-F238E27FC236}">
+                <a16:creationId xmlns:a16="http://schemas.microsoft.com/office/drawing/2014/main" id="{FD53DC03-82ED-DC1F-AFAC-C15CB12FDB50}"/>
+              </a:ext>
+            </a:extLst>
+          </p:cNvPr>
+          <p:cNvPicPr>
+            <a:picLocks noChangeAspect="1"/>
+          </p:cNvPicPr>
+          <p:nvPr/>
+        </p:nvPicPr>
+        <p:blipFill>
+          <a:blip r:embed="rId4"/>
+          <a:stretch>
+            <a:fillRect/>
+          </a:stretch>
+        </p:blipFill>
+        <p:spPr>
+          <a:xfrm>
+            <a:off x="1731668" y="4709683"/>
+            <a:ext cx="9305925" cy="1866900"/>
+          </a:xfrm>
+          <a:prstGeom prst="rect">
+            <a:avLst/>
+          </a:prstGeom>
+        </p:spPr>
+      </p:pic>
     </p:spTree>
     <p:extLst>
       <p:ext uri="{BB962C8B-B14F-4D97-AF65-F5344CB8AC3E}">
@@ -4684,7 +4733,7 @@
         <p:cNvPr id="1" name="">
           <a:extLst>
             <a:ext uri="{FF2B5EF4-FFF2-40B4-BE49-F238E27FC236}">
-              <a16:creationId xmlns:a16="http://schemas.microsoft.com/office/drawing/2014/main" id="{E47EC057-AB8D-D7E9-07CD-FB956AD95343}"/>
+              <a16:creationId xmlns:a16="http://schemas.microsoft.com/office/drawing/2014/main" id="{1FBAE633-C19A-0C15-6040-D000C783785E}"/>
             </a:ext>
           </a:extLst>
         </p:cNvPr>
@@ -4704,7 +4753,7 @@
           <p:cNvPr id="4" name="Заголовок 1">
             <a:extLst>
               <a:ext uri="{FF2B5EF4-FFF2-40B4-BE49-F238E27FC236}">
-                <a16:creationId xmlns:a16="http://schemas.microsoft.com/office/drawing/2014/main" id="{DA5B3C3A-9B84-D1A4-ADA3-D8C5597467FD}"/>
+                <a16:creationId xmlns:a16="http://schemas.microsoft.com/office/drawing/2014/main" id="{F3D0FE09-2946-C5E0-4E19-76BB9D075BF9}"/>
               </a:ext>
             </a:extLst>
           </p:cNvPr>
@@ -4715,7 +4764,7 @@
         </p:nvSpPr>
         <p:spPr>
           <a:xfrm>
-            <a:off x="872836" y="272473"/>
+            <a:off x="872833" y="123551"/>
             <a:ext cx="11023599" cy="1334654"/>
           </a:xfrm>
           <a:prstGeom prst="rect">
@@ -4746,19 +4795,27 @@
             </a:lvl1pPr>
           </a:lstStyle>
           <a:p>
+            <a:pPr algn="ctr"/>
             <a:r>
               <a:rPr lang="ru-RU" b="1" dirty="0"/>
-              <a:t>Блок 2</a:t>
-            </a:r>
-          </a:p>
-        </p:txBody>
-      </p:sp>
-      <p:sp>
-        <p:nvSpPr>
-          <p:cNvPr id="3" name="Заголовок 1">
+              <a:t>Процентное изменение в среднем </a:t>
+            </a:r>
+          </a:p>
+          <a:p>
+            <a:pPr algn="ctr"/>
+            <a:r>
+              <a:rPr lang="ru-RU" b="1" dirty="0"/>
+              <a:t>(с учетом его силы)</a:t>
+            </a:r>
+          </a:p>
+        </p:txBody>
+      </p:sp>
+      <p:sp>
+        <p:nvSpPr>
+          <p:cNvPr id="7" name="Заголовок 1">
             <a:extLst>
               <a:ext uri="{FF2B5EF4-FFF2-40B4-BE49-F238E27FC236}">
-                <a16:creationId xmlns:a16="http://schemas.microsoft.com/office/drawing/2014/main" id="{CDC3A7DA-146F-1E2D-6EAD-A3FDB8DA0D0D}"/>
+                <a16:creationId xmlns:a16="http://schemas.microsoft.com/office/drawing/2014/main" id="{D5BA920D-060A-5737-B31C-D9D02FDAE766}"/>
               </a:ext>
             </a:extLst>
           </p:cNvPr>
@@ -4769,8 +4826,8 @@
         </p:nvSpPr>
         <p:spPr>
           <a:xfrm>
-            <a:off x="872835" y="2258292"/>
-            <a:ext cx="11490037" cy="1334654"/>
+            <a:off x="872834" y="2343729"/>
+            <a:ext cx="11023599" cy="1334654"/>
           </a:xfrm>
           <a:prstGeom prst="rect">
             <a:avLst/>
@@ -4800,34 +4857,16 @@
             </a:lvl1pPr>
           </a:lstStyle>
           <a:p>
-            <a:r>
-              <a:rPr lang="ru-RU" sz="3200" b="1" dirty="0"/>
-              <a:t>Качество отчетов</a:t>
-            </a:r>
-            <a:br>
-              <a:rPr lang="ru-RU" sz="3200" b="1" dirty="0"/>
-            </a:br>
-            <a:r>
-              <a:rPr lang="ru-RU" sz="3200" b="1" dirty="0"/>
-              <a:t>Табличка(</a:t>
-            </a:r>
-            <a:r>
-              <a:rPr lang="ru-RU" sz="3200" b="1" dirty="0" err="1"/>
-              <a:t>мб</a:t>
-            </a:r>
-            <a:r>
-              <a:rPr lang="ru-RU" sz="3200" b="1" dirty="0"/>
-              <a:t> гистограмма) средних потерь</a:t>
-            </a:r>
-          </a:p>
-        </p:txBody>
-      </p:sp>
-      <p:sp>
-        <p:nvSpPr>
-          <p:cNvPr id="5" name="Заголовок 1">
+            <a:endParaRPr lang="ru-RU" b="1" dirty="0"/>
+          </a:p>
+        </p:txBody>
+      </p:sp>
+      <p:sp>
+        <p:nvSpPr>
+          <p:cNvPr id="9" name="Заголовок 1">
             <a:extLst>
               <a:ext uri="{FF2B5EF4-FFF2-40B4-BE49-F238E27FC236}">
-                <a16:creationId xmlns:a16="http://schemas.microsoft.com/office/drawing/2014/main" id="{DA4290A1-9F71-8FAB-7FF4-ACBE21AAA10B}"/>
+                <a16:creationId xmlns:a16="http://schemas.microsoft.com/office/drawing/2014/main" id="{45BE07BC-DD7F-96E4-1953-3C5AB3A4963A}"/>
               </a:ext>
             </a:extLst>
           </p:cNvPr>
@@ -4838,8 +4877,8 @@
         </p:nvSpPr>
         <p:spPr>
           <a:xfrm>
-            <a:off x="872835" y="3842329"/>
-            <a:ext cx="9481130" cy="1468580"/>
+            <a:off x="872834" y="1189183"/>
+            <a:ext cx="11023599" cy="1334654"/>
           </a:xfrm>
           <a:prstGeom prst="rect">
             <a:avLst/>
@@ -4869,17 +4908,188 @@
             </a:lvl1pPr>
           </a:lstStyle>
           <a:p>
-            <a:r>
-              <a:rPr lang="ru-RU" sz="3200" b="1" dirty="0"/>
-              <a:t>Алгоритм минимизации расходов</a:t>
-            </a:r>
-          </a:p>
-        </p:txBody>
-      </p:sp>
+            <a:endParaRPr lang="ru-RU" b="1" dirty="0"/>
+          </a:p>
+        </p:txBody>
+      </p:sp>
+      <p:sp>
+        <p:nvSpPr>
+          <p:cNvPr id="10" name="Заголовок 1">
+            <a:extLst>
+              <a:ext uri="{FF2B5EF4-FFF2-40B4-BE49-F238E27FC236}">
+                <a16:creationId xmlns:a16="http://schemas.microsoft.com/office/drawing/2014/main" id="{CDD4B77C-B602-B40D-7834-C77D0F4C6183}"/>
+              </a:ext>
+            </a:extLst>
+          </p:cNvPr>
+          <p:cNvSpPr txBox="1">
+            <a:spLocks/>
+          </p:cNvSpPr>
+          <p:nvPr/>
+        </p:nvSpPr>
+        <p:spPr>
+          <a:xfrm>
+            <a:off x="872834" y="3747658"/>
+            <a:ext cx="11023599" cy="1334654"/>
+          </a:xfrm>
+          <a:prstGeom prst="rect">
+            <a:avLst/>
+          </a:prstGeom>
+        </p:spPr>
+        <p:txBody>
+          <a:bodyPr vert="horz" lIns="91440" tIns="45720" rIns="91440" bIns="45720" rtlCol="0" anchor="t">
+            <a:noAutofit/>
+          </a:bodyPr>
+          <a:lstStyle>
+            <a:lvl1pPr algn="l" defTabSz="914400" rtl="0" eaLnBrk="1" latinLnBrk="0" hangingPunct="1">
+              <a:lnSpc>
+                <a:spcPct val="89000"/>
+              </a:lnSpc>
+              <a:spcBef>
+                <a:spcPct val="0"/>
+              </a:spcBef>
+              <a:buNone/>
+              <a:defRPr sz="4400" kern="1200" baseline="0">
+                <a:solidFill>
+                  <a:schemeClr val="tx2"/>
+                </a:solidFill>
+                <a:latin typeface="+mj-lt"/>
+                <a:ea typeface="+mj-ea"/>
+                <a:cs typeface="+mj-cs"/>
+              </a:defRPr>
+            </a:lvl1pPr>
+          </a:lstStyle>
+          <a:p>
+            <a:endParaRPr lang="ru-RU" b="1" dirty="0"/>
+          </a:p>
+        </p:txBody>
+      </p:sp>
+      <p:sp>
+        <p:nvSpPr>
+          <p:cNvPr id="11" name="Заголовок 1">
+            <a:extLst>
+              <a:ext uri="{FF2B5EF4-FFF2-40B4-BE49-F238E27FC236}">
+                <a16:creationId xmlns:a16="http://schemas.microsoft.com/office/drawing/2014/main" id="{4AF06942-2124-5540-9415-D34AEE124AD9}"/>
+              </a:ext>
+            </a:extLst>
+          </p:cNvPr>
+          <p:cNvSpPr txBox="1">
+            <a:spLocks/>
+          </p:cNvSpPr>
+          <p:nvPr/>
+        </p:nvSpPr>
+        <p:spPr>
+          <a:xfrm>
+            <a:off x="757380" y="5151587"/>
+            <a:ext cx="11023599" cy="1334654"/>
+          </a:xfrm>
+          <a:prstGeom prst="rect">
+            <a:avLst/>
+          </a:prstGeom>
+        </p:spPr>
+        <p:txBody>
+          <a:bodyPr vert="horz" lIns="91440" tIns="45720" rIns="91440" bIns="45720" rtlCol="0" anchor="t">
+            <a:noAutofit/>
+          </a:bodyPr>
+          <a:lstStyle>
+            <a:lvl1pPr algn="l" defTabSz="914400" rtl="0" eaLnBrk="1" latinLnBrk="0" hangingPunct="1">
+              <a:lnSpc>
+                <a:spcPct val="89000"/>
+              </a:lnSpc>
+              <a:spcBef>
+                <a:spcPct val="0"/>
+              </a:spcBef>
+              <a:buNone/>
+              <a:defRPr sz="4400" kern="1200" baseline="0">
+                <a:solidFill>
+                  <a:schemeClr val="tx2"/>
+                </a:solidFill>
+                <a:latin typeface="+mj-lt"/>
+                <a:ea typeface="+mj-ea"/>
+                <a:cs typeface="+mj-cs"/>
+              </a:defRPr>
+            </a:lvl1pPr>
+          </a:lstStyle>
+          <a:p>
+            <a:endParaRPr lang="ru-RU" b="1" dirty="0"/>
+          </a:p>
+        </p:txBody>
+      </p:sp>
+      <p:pic>
+        <p:nvPicPr>
+          <p:cNvPr id="3" name="Рисунок 2" descr="Изображение выглядит как текст, снимок экрана, прямоугольный, Прямоугольник&#10;&#10;Содержимое, созданное искусственным интеллектом, может быть неверным.">
+            <a:extLst>
+              <a:ext uri="{FF2B5EF4-FFF2-40B4-BE49-F238E27FC236}">
+                <a16:creationId xmlns:a16="http://schemas.microsoft.com/office/drawing/2014/main" id="{37152F0E-54A5-BD90-940F-E428A67C96CC}"/>
+              </a:ext>
+            </a:extLst>
+          </p:cNvPr>
+          <p:cNvPicPr>
+            <a:picLocks noChangeAspect="1"/>
+          </p:cNvPicPr>
+          <p:nvPr/>
+        </p:nvPicPr>
+        <p:blipFill>
+          <a:blip r:embed="rId2">
+            <a:extLst>
+              <a:ext uri="{28A0092B-C50C-407E-A947-70E740481C1C}">
+                <a14:useLocalDpi xmlns:a14="http://schemas.microsoft.com/office/drawing/2010/main" val="0"/>
+              </a:ext>
+            </a:extLst>
+          </a:blip>
+          <a:stretch>
+            <a:fillRect/>
+          </a:stretch>
+        </p:blipFill>
+        <p:spPr>
+          <a:xfrm>
+            <a:off x="1064380" y="1655225"/>
+            <a:ext cx="6202632" cy="4621393"/>
+          </a:xfrm>
+          <a:prstGeom prst="rect">
+            <a:avLst/>
+          </a:prstGeom>
+        </p:spPr>
+      </p:pic>
+      <p:pic>
+        <p:nvPicPr>
+          <p:cNvPr id="17" name="Рисунок 16" descr="Изображение выглядит как текст, снимок экрана, диаграмма, Прямоугольник&#10;&#10;Содержимое, созданное искусственным интеллектом, может быть неверным.">
+            <a:extLst>
+              <a:ext uri="{FF2B5EF4-FFF2-40B4-BE49-F238E27FC236}">
+                <a16:creationId xmlns:a16="http://schemas.microsoft.com/office/drawing/2014/main" id="{983B362B-FFF3-F1A3-6E62-352C92B294FB}"/>
+              </a:ext>
+            </a:extLst>
+          </p:cNvPr>
+          <p:cNvPicPr>
+            <a:picLocks noChangeAspect="1"/>
+          </p:cNvPicPr>
+          <p:nvPr/>
+        </p:nvPicPr>
+        <p:blipFill>
+          <a:blip r:embed="rId3">
+            <a:extLst>
+              <a:ext uri="{28A0092B-C50C-407E-A947-70E740481C1C}">
+                <a14:useLocalDpi xmlns:a14="http://schemas.microsoft.com/office/drawing/2010/main" val="0"/>
+              </a:ext>
+            </a:extLst>
+          </a:blip>
+          <a:stretch>
+            <a:fillRect/>
+          </a:stretch>
+        </p:blipFill>
+        <p:spPr>
+          <a:xfrm>
+            <a:off x="7570682" y="1527479"/>
+            <a:ext cx="4022081" cy="4876887"/>
+          </a:xfrm>
+          <a:prstGeom prst="rect">
+            <a:avLst/>
+          </a:prstGeom>
+        </p:spPr>
+      </p:pic>
     </p:spTree>
     <p:extLst>
       <p:ext uri="{BB962C8B-B14F-4D97-AF65-F5344CB8AC3E}">
-        <p14:creationId xmlns:p14="http://schemas.microsoft.com/office/powerpoint/2010/main" val="3477956793"/>
+        <p14:creationId xmlns:p14="http://schemas.microsoft.com/office/powerpoint/2010/main" val="4088098427"/>
       </p:ext>
     </p:extLst>
   </p:cSld>

--- a/speech/presentation.pptx
+++ b/speech/presentation.pptx
@@ -13,6 +13,10 @@
     <p:sldId id="261" r:id="rId7"/>
     <p:sldId id="263" r:id="rId8"/>
     <p:sldId id="264" r:id="rId9"/>
+    <p:sldId id="267" r:id="rId10"/>
+    <p:sldId id="268" r:id="rId11"/>
+    <p:sldId id="269" r:id="rId12"/>
+    <p:sldId id="271" r:id="rId13"/>
   </p:sldIdLst>
   <p:sldSz cx="12192000" cy="6858000"/>
   <p:notesSz cx="6858000" cy="9144000"/>
@@ -3957,6 +3961,687 @@
 </p:sld>
 </file>
 
+<file path=ppt/slides/slide10.xml><?xml version="1.0" encoding="utf-8"?>
+<p:sld xmlns:a="http://schemas.openxmlformats.org/drawingml/2006/main" xmlns:r="http://schemas.openxmlformats.org/officeDocument/2006/relationships" xmlns:p="http://schemas.openxmlformats.org/presentationml/2006/main">
+  <p:cSld>
+    <p:spTree>
+      <p:nvGrpSpPr>
+        <p:cNvPr id="1" name="">
+          <a:extLst>
+            <a:ext uri="{FF2B5EF4-FFF2-40B4-BE49-F238E27FC236}">
+              <a16:creationId xmlns:a16="http://schemas.microsoft.com/office/drawing/2014/main" id="{85C635EE-4A18-4C0A-915D-B2C836EB865C}"/>
+            </a:ext>
+          </a:extLst>
+        </p:cNvPr>
+        <p:cNvGrpSpPr/>
+        <p:nvPr/>
+      </p:nvGrpSpPr>
+      <p:grpSpPr>
+        <a:xfrm>
+          <a:off x="0" y="0"/>
+          <a:ext cx="0" cy="0"/>
+          <a:chOff x="0" y="0"/>
+          <a:chExt cx="0" cy="0"/>
+        </a:xfrm>
+      </p:grpSpPr>
+      <p:pic>
+        <p:nvPicPr>
+          <p:cNvPr id="3" name="Рисунок 2">
+            <a:extLst>
+              <a:ext uri="{FF2B5EF4-FFF2-40B4-BE49-F238E27FC236}">
+                <a16:creationId xmlns:a16="http://schemas.microsoft.com/office/drawing/2014/main" id="{A0C7FEC7-2CEC-E6CA-D7BA-B08311E1F9BE}"/>
+              </a:ext>
+            </a:extLst>
+          </p:cNvPr>
+          <p:cNvPicPr>
+            <a:picLocks noChangeAspect="1"/>
+          </p:cNvPicPr>
+          <p:nvPr/>
+        </p:nvPicPr>
+        <p:blipFill>
+          <a:blip r:embed="rId2">
+            <a:extLst>
+              <a:ext uri="{28A0092B-C50C-407E-A947-70E740481C1C}">
+                <a14:useLocalDpi xmlns:a14="http://schemas.microsoft.com/office/drawing/2010/main" val="0"/>
+              </a:ext>
+            </a:extLst>
+          </a:blip>
+          <a:srcRect/>
+          <a:stretch/>
+        </p:blipFill>
+        <p:spPr>
+          <a:xfrm>
+            <a:off x="1447030" y="951346"/>
+            <a:ext cx="9297940" cy="5578764"/>
+          </a:xfrm>
+          <a:prstGeom prst="rect">
+            <a:avLst/>
+          </a:prstGeom>
+          <a:solidFill>
+            <a:srgbClr val="FFFFFF">
+              <a:shade val="85000"/>
+            </a:srgbClr>
+          </a:solidFill>
+          <a:ln w="88900" cap="sq">
+            <a:solidFill>
+              <a:srgbClr val="FFFFFF"/>
+            </a:solidFill>
+            <a:miter lim="800000"/>
+          </a:ln>
+          <a:effectLst>
+            <a:outerShdw blurRad="55000" dist="18000" dir="5400000" algn="tl" rotWithShape="0">
+              <a:srgbClr val="000000">
+                <a:alpha val="40000"/>
+              </a:srgbClr>
+            </a:outerShdw>
+          </a:effectLst>
+          <a:scene3d>
+            <a:camera prst="orthographicFront"/>
+            <a:lightRig rig="twoPt" dir="t">
+              <a:rot lat="0" lon="0" rev="7200000"/>
+            </a:lightRig>
+          </a:scene3d>
+          <a:sp3d>
+            <a:bevelT w="25400" h="19050"/>
+            <a:contourClr>
+              <a:srgbClr val="FFFFFF"/>
+            </a:contourClr>
+          </a:sp3d>
+        </p:spPr>
+      </p:pic>
+      <p:sp>
+        <p:nvSpPr>
+          <p:cNvPr id="2" name="Заголовок 1">
+            <a:extLst>
+              <a:ext uri="{FF2B5EF4-FFF2-40B4-BE49-F238E27FC236}">
+                <a16:creationId xmlns:a16="http://schemas.microsoft.com/office/drawing/2014/main" id="{3A0EC444-00FE-139A-AB67-DA60F34CB476}"/>
+              </a:ext>
+            </a:extLst>
+          </p:cNvPr>
+          <p:cNvSpPr txBox="1">
+            <a:spLocks/>
+          </p:cNvSpPr>
+          <p:nvPr/>
+        </p:nvSpPr>
+        <p:spPr>
+          <a:xfrm>
+            <a:off x="628072" y="87745"/>
+            <a:ext cx="11471565" cy="752764"/>
+          </a:xfrm>
+          <a:prstGeom prst="rect">
+            <a:avLst/>
+          </a:prstGeom>
+        </p:spPr>
+        <p:txBody>
+          <a:bodyPr vert="horz" lIns="91440" tIns="45720" rIns="91440" bIns="45720" rtlCol="0" anchor="t">
+            <a:noAutofit/>
+          </a:bodyPr>
+          <a:lstStyle>
+            <a:lvl1pPr algn="l" defTabSz="914400" rtl="0" eaLnBrk="1" latinLnBrk="0" hangingPunct="1">
+              <a:lnSpc>
+                <a:spcPct val="89000"/>
+              </a:lnSpc>
+              <a:spcBef>
+                <a:spcPct val="0"/>
+              </a:spcBef>
+              <a:buNone/>
+              <a:defRPr sz="4400" kern="1200" baseline="0">
+                <a:solidFill>
+                  <a:schemeClr val="tx2"/>
+                </a:solidFill>
+                <a:latin typeface="+mj-lt"/>
+                <a:ea typeface="+mj-ea"/>
+                <a:cs typeface="+mj-cs"/>
+              </a:defRPr>
+            </a:lvl1pPr>
+          </a:lstStyle>
+          <a:p>
+            <a:pPr algn="ctr"/>
+            <a:r>
+              <a:rPr lang="ru-RU" sz="4200" b="1" dirty="0">
+                <a:solidFill>
+                  <a:schemeClr val="tx1">
+                    <a:lumMod val="85000"/>
+                    <a:lumOff val="15000"/>
+                  </a:schemeClr>
+                </a:solidFill>
+              </a:rPr>
+              <a:t>Среднее качество отчетов</a:t>
+            </a:r>
+          </a:p>
+        </p:txBody>
+      </p:sp>
+    </p:spTree>
+    <p:extLst>
+      <p:ext uri="{BB962C8B-B14F-4D97-AF65-F5344CB8AC3E}">
+        <p14:creationId xmlns:p14="http://schemas.microsoft.com/office/powerpoint/2010/main" val="1592080267"/>
+      </p:ext>
+    </p:extLst>
+  </p:cSld>
+  <p:clrMapOvr>
+    <a:masterClrMapping/>
+  </p:clrMapOvr>
+</p:sld>
+</file>
+
+<file path=ppt/slides/slide11.xml><?xml version="1.0" encoding="utf-8"?>
+<p:sld xmlns:a="http://schemas.openxmlformats.org/drawingml/2006/main" xmlns:r="http://schemas.openxmlformats.org/officeDocument/2006/relationships" xmlns:p="http://schemas.openxmlformats.org/presentationml/2006/main">
+  <p:cSld>
+    <p:spTree>
+      <p:nvGrpSpPr>
+        <p:cNvPr id="1" name="">
+          <a:extLst>
+            <a:ext uri="{FF2B5EF4-FFF2-40B4-BE49-F238E27FC236}">
+              <a16:creationId xmlns:a16="http://schemas.microsoft.com/office/drawing/2014/main" id="{3DB1C690-59D6-2B40-6475-3F27EEBE285C}"/>
+            </a:ext>
+          </a:extLst>
+        </p:cNvPr>
+        <p:cNvGrpSpPr/>
+        <p:nvPr/>
+      </p:nvGrpSpPr>
+      <p:grpSpPr>
+        <a:xfrm>
+          <a:off x="0" y="0"/>
+          <a:ext cx="0" cy="0"/>
+          <a:chOff x="0" y="0"/>
+          <a:chExt cx="0" cy="0"/>
+        </a:xfrm>
+      </p:grpSpPr>
+      <p:sp>
+        <p:nvSpPr>
+          <p:cNvPr id="4" name="Заголовок 1">
+            <a:extLst>
+              <a:ext uri="{FF2B5EF4-FFF2-40B4-BE49-F238E27FC236}">
+                <a16:creationId xmlns:a16="http://schemas.microsoft.com/office/drawing/2014/main" id="{7AC47702-9D61-6340-EBE6-B0652E7728DD}"/>
+              </a:ext>
+            </a:extLst>
+          </p:cNvPr>
+          <p:cNvSpPr txBox="1">
+            <a:spLocks/>
+          </p:cNvSpPr>
+          <p:nvPr/>
+        </p:nvSpPr>
+        <p:spPr>
+          <a:xfrm>
+            <a:off x="628072" y="87745"/>
+            <a:ext cx="11471565" cy="752764"/>
+          </a:xfrm>
+          <a:prstGeom prst="rect">
+            <a:avLst/>
+          </a:prstGeom>
+        </p:spPr>
+        <p:txBody>
+          <a:bodyPr vert="horz" lIns="91440" tIns="45720" rIns="91440" bIns="45720" rtlCol="0" anchor="t">
+            <a:noAutofit/>
+          </a:bodyPr>
+          <a:lstStyle>
+            <a:lvl1pPr algn="l" defTabSz="914400" rtl="0" eaLnBrk="1" latinLnBrk="0" hangingPunct="1">
+              <a:lnSpc>
+                <a:spcPct val="89000"/>
+              </a:lnSpc>
+              <a:spcBef>
+                <a:spcPct val="0"/>
+              </a:spcBef>
+              <a:buNone/>
+              <a:defRPr sz="4400" kern="1200" baseline="0">
+                <a:solidFill>
+                  <a:schemeClr val="tx2"/>
+                </a:solidFill>
+                <a:latin typeface="+mj-lt"/>
+                <a:ea typeface="+mj-ea"/>
+                <a:cs typeface="+mj-cs"/>
+              </a:defRPr>
+            </a:lvl1pPr>
+          </a:lstStyle>
+          <a:p>
+            <a:pPr algn="ctr"/>
+            <a:r>
+              <a:rPr lang="ru-RU" sz="4200" b="1" dirty="0">
+                <a:solidFill>
+                  <a:schemeClr val="tx1">
+                    <a:lumMod val="85000"/>
+                    <a:lumOff val="15000"/>
+                  </a:schemeClr>
+                </a:solidFill>
+              </a:rPr>
+              <a:t>Предполагаемая прибыль за расчетный период </a:t>
+            </a:r>
+          </a:p>
+        </p:txBody>
+      </p:sp>
+      <p:pic>
+        <p:nvPicPr>
+          <p:cNvPr id="3" name="Рисунок 2">
+            <a:extLst>
+              <a:ext uri="{FF2B5EF4-FFF2-40B4-BE49-F238E27FC236}">
+                <a16:creationId xmlns:a16="http://schemas.microsoft.com/office/drawing/2014/main" id="{701B2AC4-9D30-F849-3362-C8266DDADAC4}"/>
+              </a:ext>
+            </a:extLst>
+          </p:cNvPr>
+          <p:cNvPicPr>
+            <a:picLocks noChangeAspect="1"/>
+          </p:cNvPicPr>
+          <p:nvPr/>
+        </p:nvPicPr>
+        <p:blipFill>
+          <a:blip r:embed="rId2">
+            <a:extLst>
+              <a:ext uri="{28A0092B-C50C-407E-A947-70E740481C1C}">
+                <a14:useLocalDpi xmlns:a14="http://schemas.microsoft.com/office/drawing/2010/main" val="0"/>
+              </a:ext>
+            </a:extLst>
+          </a:blip>
+          <a:srcRect/>
+          <a:stretch/>
+        </p:blipFill>
+        <p:spPr>
+          <a:xfrm>
+            <a:off x="1447030" y="951346"/>
+            <a:ext cx="9297940" cy="5578764"/>
+          </a:xfrm>
+          <a:prstGeom prst="rect">
+            <a:avLst/>
+          </a:prstGeom>
+          <a:solidFill>
+            <a:srgbClr val="FFFFFF">
+              <a:shade val="85000"/>
+            </a:srgbClr>
+          </a:solidFill>
+          <a:ln w="88900" cap="sq">
+            <a:solidFill>
+              <a:srgbClr val="FFFFFF"/>
+            </a:solidFill>
+            <a:miter lim="800000"/>
+          </a:ln>
+          <a:effectLst>
+            <a:outerShdw blurRad="55000" dist="18000" dir="5400000" algn="tl" rotWithShape="0">
+              <a:srgbClr val="000000">
+                <a:alpha val="40000"/>
+              </a:srgbClr>
+            </a:outerShdw>
+          </a:effectLst>
+          <a:scene3d>
+            <a:camera prst="orthographicFront"/>
+            <a:lightRig rig="twoPt" dir="t">
+              <a:rot lat="0" lon="0" rev="7200000"/>
+            </a:lightRig>
+          </a:scene3d>
+          <a:sp3d>
+            <a:bevelT w="25400" h="19050"/>
+            <a:contourClr>
+              <a:srgbClr val="FFFFFF"/>
+            </a:contourClr>
+          </a:sp3d>
+        </p:spPr>
+      </p:pic>
+    </p:spTree>
+    <p:extLst>
+      <p:ext uri="{BB962C8B-B14F-4D97-AF65-F5344CB8AC3E}">
+        <p14:creationId xmlns:p14="http://schemas.microsoft.com/office/powerpoint/2010/main" val="1776132438"/>
+      </p:ext>
+    </p:extLst>
+  </p:cSld>
+  <p:clrMapOvr>
+    <a:masterClrMapping/>
+  </p:clrMapOvr>
+</p:sld>
+</file>
+
+<file path=ppt/slides/slide12.xml><?xml version="1.0" encoding="utf-8"?>
+<p:sld xmlns:a="http://schemas.openxmlformats.org/drawingml/2006/main" xmlns:r="http://schemas.openxmlformats.org/officeDocument/2006/relationships" xmlns:p="http://schemas.openxmlformats.org/presentationml/2006/main">
+  <p:cSld>
+    <p:bg>
+      <p:bgPr>
+        <a:solidFill>
+          <a:schemeClr val="bg2"/>
+        </a:solidFill>
+        <a:effectLst/>
+      </p:bgPr>
+    </p:bg>
+    <p:spTree>
+      <p:nvGrpSpPr>
+        <p:cNvPr id="1" name="">
+          <a:extLst>
+            <a:ext uri="{FF2B5EF4-FFF2-40B4-BE49-F238E27FC236}">
+              <a16:creationId xmlns:a16="http://schemas.microsoft.com/office/drawing/2014/main" id="{C583C4B1-31B3-B9BE-10A0-9F8C71B62FA9}"/>
+            </a:ext>
+          </a:extLst>
+        </p:cNvPr>
+        <p:cNvGrpSpPr/>
+        <p:nvPr/>
+      </p:nvGrpSpPr>
+      <p:grpSpPr>
+        <a:xfrm>
+          <a:off x="0" y="0"/>
+          <a:ext cx="0" cy="0"/>
+          <a:chOff x="0" y="0"/>
+          <a:chExt cx="0" cy="0"/>
+        </a:xfrm>
+      </p:grpSpPr>
+      <p:sp useBgFill="1">
+        <p:nvSpPr>
+          <p:cNvPr id="11" name="Rectangle 10">
+            <a:extLst>
+              <a:ext uri="{FF2B5EF4-FFF2-40B4-BE49-F238E27FC236}">
+                <a16:creationId xmlns:a16="http://schemas.microsoft.com/office/drawing/2014/main" id="{692296C6-28F7-4BD7-9EFB-22A268E3D42B}"/>
+              </a:ext>
+              <a:ext uri="{C183D7F6-B498-43B3-948B-1728B52AA6E4}">
+                <adec:decorative xmlns:adec="http://schemas.microsoft.com/office/drawing/2017/decorative" val="1"/>
+              </a:ext>
+            </a:extLst>
+          </p:cNvPr>
+          <p:cNvSpPr>
+            <a:spLocks noGrp="1" noRot="1" noChangeAspect="1" noMove="1" noResize="1" noEditPoints="1" noAdjustHandles="1" noChangeArrowheads="1" noChangeShapeType="1" noTextEdit="1"/>
+          </p:cNvSpPr>
+          <p:nvPr>
+            <p:extLst>
+              <p:ext uri="{386F3935-93C4-4BCD-93E2-E3B085C9AB24}">
+                <p16:designElem xmlns:p16="http://schemas.microsoft.com/office/powerpoint/2015/main" val="1"/>
+              </p:ext>
+            </p:extLst>
+          </p:nvPr>
+        </p:nvSpPr>
+        <p:spPr>
+          <a:xfrm>
+            <a:off x="0" y="0"/>
+            <a:ext cx="12192000" cy="6858000"/>
+          </a:xfrm>
+          <a:prstGeom prst="rect">
+            <a:avLst/>
+          </a:prstGeom>
+          <a:ln>
+            <a:noFill/>
+          </a:ln>
+        </p:spPr>
+        <p:style>
+          <a:lnRef idx="2">
+            <a:schemeClr val="accent1">
+              <a:shade val="50000"/>
+            </a:schemeClr>
+          </a:lnRef>
+          <a:fillRef idx="1">
+            <a:schemeClr val="accent1"/>
+          </a:fillRef>
+          <a:effectRef idx="0">
+            <a:schemeClr val="accent1"/>
+          </a:effectRef>
+          <a:fontRef idx="minor">
+            <a:schemeClr val="lt1"/>
+          </a:fontRef>
+        </p:style>
+        <p:txBody>
+          <a:bodyPr rtlCol="0" anchor="ctr"/>
+          <a:lstStyle/>
+          <a:p>
+            <a:pPr algn="ctr"/>
+            <a:endParaRPr lang="en-US"/>
+          </a:p>
+        </p:txBody>
+      </p:sp>
+      <p:sp>
+        <p:nvSpPr>
+          <p:cNvPr id="2" name="Заголовок 1">
+            <a:extLst>
+              <a:ext uri="{FF2B5EF4-FFF2-40B4-BE49-F238E27FC236}">
+                <a16:creationId xmlns:a16="http://schemas.microsoft.com/office/drawing/2014/main" id="{920B9F5D-79AC-E828-BA47-8702E582BAA5}"/>
+              </a:ext>
+            </a:extLst>
+          </p:cNvPr>
+          <p:cNvSpPr>
+            <a:spLocks noGrp="1"/>
+          </p:cNvSpPr>
+          <p:nvPr>
+            <p:ph type="ctrTitle"/>
+          </p:nvPr>
+        </p:nvSpPr>
+        <p:spPr>
+          <a:xfrm>
+            <a:off x="5954486" y="1480929"/>
+            <a:ext cx="5791426" cy="3254321"/>
+          </a:xfrm>
+        </p:spPr>
+        <p:txBody>
+          <a:bodyPr>
+            <a:normAutofit/>
+          </a:bodyPr>
+          <a:lstStyle/>
+          <a:p>
+            <a:pPr algn="l"/>
+            <a:r>
+              <a:rPr lang="ru-RU" sz="7000"/>
+              <a:t>Спасибо</a:t>
+            </a:r>
+            <a:br>
+              <a:rPr lang="ru-RU" sz="7000"/>
+            </a:br>
+            <a:r>
+              <a:rPr lang="ru-RU" sz="7000"/>
+              <a:t>за</a:t>
+            </a:r>
+            <a:br>
+              <a:rPr lang="ru-RU" sz="7000"/>
+            </a:br>
+            <a:r>
+              <a:rPr lang="ru-RU" sz="7000"/>
+              <a:t>внимание</a:t>
+            </a:r>
+          </a:p>
+        </p:txBody>
+      </p:sp>
+      <p:sp>
+        <p:nvSpPr>
+          <p:cNvPr id="13" name="Freeform 6">
+            <a:extLst>
+              <a:ext uri="{FF2B5EF4-FFF2-40B4-BE49-F238E27FC236}">
+                <a16:creationId xmlns:a16="http://schemas.microsoft.com/office/drawing/2014/main" id="{CBB17300-EE76-409B-97FE-4836C5093DB3}"/>
+              </a:ext>
+              <a:ext uri="{C183D7F6-B498-43B3-948B-1728B52AA6E4}">
+                <adec:decorative xmlns:adec="http://schemas.microsoft.com/office/drawing/2017/decorative" val="1"/>
+              </a:ext>
+            </a:extLst>
+          </p:cNvPr>
+          <p:cNvSpPr>
+            <a:spLocks noGrp="1" noRot="1" noChangeAspect="1" noMove="1" noResize="1" noEditPoints="1" noAdjustHandles="1" noChangeArrowheads="1" noChangeShapeType="1" noTextEdit="1"/>
+          </p:cNvSpPr>
+          <p:nvPr>
+            <p:extLst>
+              <p:ext uri="{386F3935-93C4-4BCD-93E2-E3B085C9AB24}">
+                <p16:designElem xmlns:p16="http://schemas.microsoft.com/office/powerpoint/2015/main" val="1"/>
+              </p:ext>
+            </p:extLst>
+          </p:nvPr>
+        </p:nvSpPr>
+        <p:spPr bwMode="auto">
+          <a:xfrm>
+            <a:off x="2199584" y="1685652"/>
+            <a:ext cx="3275013" cy="4408488"/>
+          </a:xfrm>
+          <a:custGeom>
+            <a:avLst/>
+            <a:gdLst/>
+            <a:ahLst/>
+            <a:cxnLst/>
+            <a:rect l="l" t="t" r="r" b="b"/>
+            <a:pathLst>
+              <a:path w="10000" h="10000">
+                <a:moveTo>
+                  <a:pt x="8761" y="0"/>
+                </a:moveTo>
+                <a:lnTo>
+                  <a:pt x="10000" y="0"/>
+                </a:lnTo>
+                <a:lnTo>
+                  <a:pt x="10000" y="10000"/>
+                </a:lnTo>
+                <a:lnTo>
+                  <a:pt x="0" y="10000"/>
+                </a:lnTo>
+                <a:lnTo>
+                  <a:pt x="0" y="9126"/>
+                </a:lnTo>
+                <a:lnTo>
+                  <a:pt x="8761" y="9127"/>
+                </a:lnTo>
+                <a:lnTo>
+                  <a:pt x="8761" y="0"/>
+                </a:lnTo>
+                <a:close/>
+              </a:path>
+            </a:pathLst>
+          </a:custGeom>
+          <a:solidFill>
+            <a:schemeClr val="tx2"/>
+          </a:solidFill>
+          <a:ln w="0">
+            <a:noFill/>
+            <a:prstDash val="solid"/>
+            <a:round/>
+            <a:headEnd/>
+            <a:tailEnd/>
+          </a:ln>
+        </p:spPr>
+        <p:txBody>
+          <a:bodyPr/>
+          <a:lstStyle/>
+          <a:p>
+            <a:endParaRPr lang="ru-RU"/>
+          </a:p>
+        </p:txBody>
+      </p:sp>
+      <p:sp>
+        <p:nvSpPr>
+          <p:cNvPr id="15" name="Freeform 6">
+            <a:extLst>
+              <a:ext uri="{FF2B5EF4-FFF2-40B4-BE49-F238E27FC236}">
+                <a16:creationId xmlns:a16="http://schemas.microsoft.com/office/drawing/2014/main" id="{AEABCDF0-66B8-40A9-98EB-B6837EF185E2}"/>
+              </a:ext>
+              <a:ext uri="{C183D7F6-B498-43B3-948B-1728B52AA6E4}">
+                <adec:decorative xmlns:adec="http://schemas.microsoft.com/office/drawing/2017/decorative" val="1"/>
+              </a:ext>
+            </a:extLst>
+          </p:cNvPr>
+          <p:cNvSpPr>
+            <a:spLocks noGrp="1" noRot="1" noChangeAspect="1" noMove="1" noResize="1" noEditPoints="1" noAdjustHandles="1" noChangeArrowheads="1" noChangeShapeType="1" noTextEdit="1"/>
+          </p:cNvSpPr>
+          <p:nvPr>
+            <p:extLst>
+              <p:ext uri="{386F3935-93C4-4BCD-93E2-E3B085C9AB24}">
+                <p16:designElem xmlns:p16="http://schemas.microsoft.com/office/powerpoint/2015/main" val="1"/>
+              </p:ext>
+            </p:extLst>
+          </p:nvPr>
+        </p:nvSpPr>
+        <p:spPr bwMode="auto">
+          <a:xfrm flipH="1" flipV="1">
+            <a:off x="752858" y="744469"/>
+            <a:ext cx="3275668" cy="4408488"/>
+          </a:xfrm>
+          <a:custGeom>
+            <a:avLst/>
+            <a:gdLst/>
+            <a:ahLst/>
+            <a:cxnLst/>
+            <a:rect l="l" t="t" r="r" b="b"/>
+            <a:pathLst>
+              <a:path w="10002" h="10000">
+                <a:moveTo>
+                  <a:pt x="8763" y="0"/>
+                </a:moveTo>
+                <a:lnTo>
+                  <a:pt x="10002" y="0"/>
+                </a:lnTo>
+                <a:lnTo>
+                  <a:pt x="10002" y="10000"/>
+                </a:lnTo>
+                <a:lnTo>
+                  <a:pt x="2" y="10000"/>
+                </a:lnTo>
+                <a:cubicBezTo>
+                  <a:pt x="-2" y="9698"/>
+                  <a:pt x="4" y="9427"/>
+                  <a:pt x="0" y="9125"/>
+                </a:cubicBezTo>
+                <a:lnTo>
+                  <a:pt x="8763" y="9128"/>
+                </a:lnTo>
+                <a:lnTo>
+                  <a:pt x="8763" y="0"/>
+                </a:lnTo>
+                <a:close/>
+              </a:path>
+            </a:pathLst>
+          </a:custGeom>
+          <a:solidFill>
+            <a:schemeClr val="tx2"/>
+          </a:solidFill>
+          <a:ln w="0">
+            <a:noFill/>
+            <a:prstDash val="solid"/>
+            <a:round/>
+            <a:headEnd/>
+            <a:tailEnd/>
+          </a:ln>
+        </p:spPr>
+        <p:txBody>
+          <a:bodyPr/>
+          <a:lstStyle/>
+          <a:p>
+            <a:endParaRPr lang="ru-RU"/>
+          </a:p>
+        </p:txBody>
+      </p:sp>
+      <p:pic>
+        <p:nvPicPr>
+          <p:cNvPr id="6" name="Graphic 5" descr="Smiling Face with No Fill">
+            <a:extLst>
+              <a:ext uri="{FF2B5EF4-FFF2-40B4-BE49-F238E27FC236}">
+                <a16:creationId xmlns:a16="http://schemas.microsoft.com/office/drawing/2014/main" id="{2D006CC1-FE7D-91FC-EB0E-2CBDF62D357B}"/>
+              </a:ext>
+            </a:extLst>
+          </p:cNvPr>
+          <p:cNvPicPr>
+            <a:picLocks noChangeAspect="1"/>
+          </p:cNvPicPr>
+          <p:nvPr/>
+        </p:nvPicPr>
+        <p:blipFill>
+          <a:blip r:embed="rId2">
+            <a:extLst>
+              <a:ext uri="{28A0092B-C50C-407E-A947-70E740481C1C}">
+                <a14:useLocalDpi xmlns:a14="http://schemas.microsoft.com/office/drawing/2010/main" val="0"/>
+              </a:ext>
+              <a:ext uri="{96DAC541-7B7A-43D3-8B79-37D633B846F1}">
+                <asvg:svgBlip xmlns:asvg="http://schemas.microsoft.com/office/drawing/2016/SVG/main" r:embed="rId3"/>
+              </a:ext>
+            </a:extLst>
+          </a:blip>
+          <a:stretch>
+            <a:fillRect/>
+          </a:stretch>
+        </p:blipFill>
+        <p:spPr>
+          <a:xfrm>
+            <a:off x="1480173" y="1790732"/>
+            <a:ext cx="3267942" cy="3267942"/>
+          </a:xfrm>
+          <a:prstGeom prst="rect">
+            <a:avLst/>
+          </a:prstGeom>
+        </p:spPr>
+      </p:pic>
+    </p:spTree>
+    <p:extLst>
+      <p:ext uri="{BB962C8B-B14F-4D97-AF65-F5344CB8AC3E}">
+        <p14:creationId xmlns:p14="http://schemas.microsoft.com/office/powerpoint/2010/main" val="3398523851"/>
+      </p:ext>
+    </p:extLst>
+  </p:cSld>
+  <p:clrMapOvr>
+    <a:masterClrMapping/>
+  </p:clrMapOvr>
+</p:sld>
+</file>
+
 <file path=ppt/slides/slide2.xml><?xml version="1.0" encoding="utf-8"?>
 <p:sld xmlns:a="http://schemas.openxmlformats.org/drawingml/2006/main" xmlns:r="http://schemas.openxmlformats.org/officeDocument/2006/relationships" xmlns:p="http://schemas.openxmlformats.org/presentationml/2006/main">
   <p:cSld>
@@ -5701,6 +6386,169 @@
     <p:extLst>
       <p:ext uri="{BB962C8B-B14F-4D97-AF65-F5344CB8AC3E}">
         <p14:creationId xmlns:p14="http://schemas.microsoft.com/office/powerpoint/2010/main" val="3986908188"/>
+      </p:ext>
+    </p:extLst>
+  </p:cSld>
+  <p:clrMapOvr>
+    <a:masterClrMapping/>
+  </p:clrMapOvr>
+</p:sld>
+</file>
+
+<file path=ppt/slides/slide9.xml><?xml version="1.0" encoding="utf-8"?>
+<p:sld xmlns:a="http://schemas.openxmlformats.org/drawingml/2006/main" xmlns:r="http://schemas.openxmlformats.org/officeDocument/2006/relationships" xmlns:p="http://schemas.openxmlformats.org/presentationml/2006/main">
+  <p:cSld>
+    <p:spTree>
+      <p:nvGrpSpPr>
+        <p:cNvPr id="1" name="">
+          <a:extLst>
+            <a:ext uri="{FF2B5EF4-FFF2-40B4-BE49-F238E27FC236}">
+              <a16:creationId xmlns:a16="http://schemas.microsoft.com/office/drawing/2014/main" id="{A6896571-60E4-A984-6A71-E790598C5FE7}"/>
+            </a:ext>
+          </a:extLst>
+        </p:cNvPr>
+        <p:cNvGrpSpPr/>
+        <p:nvPr/>
+      </p:nvGrpSpPr>
+      <p:grpSpPr>
+        <a:xfrm>
+          <a:off x="0" y="0"/>
+          <a:ext cx="0" cy="0"/>
+          <a:chOff x="0" y="0"/>
+          <a:chExt cx="0" cy="0"/>
+        </a:xfrm>
+      </p:grpSpPr>
+      <p:sp>
+        <p:nvSpPr>
+          <p:cNvPr id="4" name="Заголовок 1">
+            <a:extLst>
+              <a:ext uri="{FF2B5EF4-FFF2-40B4-BE49-F238E27FC236}">
+                <a16:creationId xmlns:a16="http://schemas.microsoft.com/office/drawing/2014/main" id="{80340C27-FA90-02EC-3619-949B2FC6A416}"/>
+              </a:ext>
+            </a:extLst>
+          </p:cNvPr>
+          <p:cNvSpPr txBox="1">
+            <a:spLocks/>
+          </p:cNvSpPr>
+          <p:nvPr/>
+        </p:nvSpPr>
+        <p:spPr>
+          <a:xfrm>
+            <a:off x="628072" y="87745"/>
+            <a:ext cx="11471565" cy="752764"/>
+          </a:xfrm>
+          <a:prstGeom prst="rect">
+            <a:avLst/>
+          </a:prstGeom>
+        </p:spPr>
+        <p:txBody>
+          <a:bodyPr vert="horz" lIns="91440" tIns="45720" rIns="91440" bIns="45720" rtlCol="0" anchor="t">
+            <a:noAutofit/>
+          </a:bodyPr>
+          <a:lstStyle>
+            <a:lvl1pPr algn="l" defTabSz="914400" rtl="0" eaLnBrk="1" latinLnBrk="0" hangingPunct="1">
+              <a:lnSpc>
+                <a:spcPct val="89000"/>
+              </a:lnSpc>
+              <a:spcBef>
+                <a:spcPct val="0"/>
+              </a:spcBef>
+              <a:buNone/>
+              <a:defRPr sz="4400" kern="1200" baseline="0">
+                <a:solidFill>
+                  <a:schemeClr val="tx2"/>
+                </a:solidFill>
+                <a:latin typeface="+mj-lt"/>
+                <a:ea typeface="+mj-ea"/>
+                <a:cs typeface="+mj-cs"/>
+              </a:defRPr>
+            </a:lvl1pPr>
+          </a:lstStyle>
+          <a:p>
+            <a:pPr algn="ctr"/>
+            <a:r>
+              <a:rPr lang="ru-RU" sz="4200" b="1" dirty="0">
+                <a:solidFill>
+                  <a:schemeClr val="tx1">
+                    <a:lumMod val="85000"/>
+                    <a:lumOff val="15000"/>
+                  </a:schemeClr>
+                </a:solidFill>
+              </a:rPr>
+              <a:t>Средняя себестоимость одного отчета</a:t>
+            </a:r>
+          </a:p>
+        </p:txBody>
+      </p:sp>
+      <p:pic>
+        <p:nvPicPr>
+          <p:cNvPr id="3" name="Рисунок 2">
+            <a:extLst>
+              <a:ext uri="{FF2B5EF4-FFF2-40B4-BE49-F238E27FC236}">
+                <a16:creationId xmlns:a16="http://schemas.microsoft.com/office/drawing/2014/main" id="{DBDA9304-4911-6296-6135-02D43433958D}"/>
+              </a:ext>
+            </a:extLst>
+          </p:cNvPr>
+          <p:cNvPicPr>
+            <a:picLocks noChangeAspect="1"/>
+          </p:cNvPicPr>
+          <p:nvPr/>
+        </p:nvPicPr>
+        <p:blipFill>
+          <a:blip r:embed="rId2">
+            <a:extLst>
+              <a:ext uri="{28A0092B-C50C-407E-A947-70E740481C1C}">
+                <a14:useLocalDpi xmlns:a14="http://schemas.microsoft.com/office/drawing/2010/main" val="0"/>
+              </a:ext>
+            </a:extLst>
+          </a:blip>
+          <a:srcRect/>
+          <a:stretch/>
+        </p:blipFill>
+        <p:spPr>
+          <a:xfrm>
+            <a:off x="1447030" y="951346"/>
+            <a:ext cx="9297940" cy="5578764"/>
+          </a:xfrm>
+          <a:prstGeom prst="rect">
+            <a:avLst/>
+          </a:prstGeom>
+          <a:solidFill>
+            <a:srgbClr val="FFFFFF">
+              <a:shade val="85000"/>
+            </a:srgbClr>
+          </a:solidFill>
+          <a:ln w="88900" cap="sq">
+            <a:solidFill>
+              <a:srgbClr val="FFFFFF"/>
+            </a:solidFill>
+            <a:miter lim="800000"/>
+          </a:ln>
+          <a:effectLst>
+            <a:outerShdw blurRad="55000" dist="18000" dir="5400000" algn="tl" rotWithShape="0">
+              <a:srgbClr val="000000">
+                <a:alpha val="40000"/>
+              </a:srgbClr>
+            </a:outerShdw>
+          </a:effectLst>
+          <a:scene3d>
+            <a:camera prst="orthographicFront"/>
+            <a:lightRig rig="twoPt" dir="t">
+              <a:rot lat="0" lon="0" rev="7200000"/>
+            </a:lightRig>
+          </a:scene3d>
+          <a:sp3d>
+            <a:bevelT w="25400" h="19050"/>
+            <a:contourClr>
+              <a:srgbClr val="FFFFFF"/>
+            </a:contourClr>
+          </a:sp3d>
+        </p:spPr>
+      </p:pic>
+    </p:spTree>
+    <p:extLst>
+      <p:ext uri="{BB962C8B-B14F-4D97-AF65-F5344CB8AC3E}">
+        <p14:creationId xmlns:p14="http://schemas.microsoft.com/office/powerpoint/2010/main" val="1528113949"/>
       </p:ext>
     </p:extLst>
   </p:cSld>

--- a/speech/presentation.pptx
+++ b/speech/presentation.pptx
@@ -292,7 +292,7 @@
           <a:p>
             <a:fld id="{71FD7FF2-845F-41B9-944F-35B90659B7D6}" type="datetimeFigureOut">
               <a:rPr lang="en-US" smtClean="0"/>
-              <a:t>6/24/2025</a:t>
+              <a:t>6/25/2025</a:t>
             </a:fld>
             <a:endParaRPr lang="en-US"/>
           </a:p>
@@ -622,7 +622,7 @@
           <a:p>
             <a:fld id="{71FD7FF2-845F-41B9-944F-35B90659B7D6}" type="datetimeFigureOut">
               <a:rPr lang="en-US" smtClean="0"/>
-              <a:t>6/24/2025</a:t>
+              <a:t>6/25/2025</a:t>
             </a:fld>
             <a:endParaRPr lang="en-US"/>
           </a:p>
@@ -802,7 +802,7 @@
           <a:p>
             <a:fld id="{71FD7FF2-845F-41B9-944F-35B90659B7D6}" type="datetimeFigureOut">
               <a:rPr lang="en-US" smtClean="0"/>
-              <a:t>6/24/2025</a:t>
+              <a:t>6/25/2025</a:t>
             </a:fld>
             <a:endParaRPr lang="en-US"/>
           </a:p>
@@ -972,7 +972,7 @@
           <a:p>
             <a:fld id="{71FD7FF2-845F-41B9-944F-35B90659B7D6}" type="datetimeFigureOut">
               <a:rPr lang="en-US" smtClean="0"/>
-              <a:t>6/24/2025</a:t>
+              <a:t>6/25/2025</a:t>
             </a:fld>
             <a:endParaRPr lang="en-US"/>
           </a:p>
@@ -1249,7 +1249,7 @@
           <a:p>
             <a:fld id="{71FD7FF2-845F-41B9-944F-35B90659B7D6}" type="datetimeFigureOut">
               <a:rPr lang="en-US" smtClean="0"/>
-              <a:t>6/24/2025</a:t>
+              <a:t>6/25/2025</a:t>
             </a:fld>
             <a:endParaRPr lang="en-US"/>
           </a:p>
@@ -1643,7 +1643,7 @@
           <a:p>
             <a:fld id="{71FD7FF2-845F-41B9-944F-35B90659B7D6}" type="datetimeFigureOut">
               <a:rPr lang="en-US" smtClean="0"/>
-              <a:t>6/24/2025</a:t>
+              <a:t>6/25/2025</a:t>
             </a:fld>
             <a:endParaRPr lang="en-US"/>
           </a:p>
@@ -2120,7 +2120,7 @@
           <a:p>
             <a:fld id="{71FD7FF2-845F-41B9-944F-35B90659B7D6}" type="datetimeFigureOut">
               <a:rPr lang="en-US" smtClean="0"/>
-              <a:t>6/24/2025</a:t>
+              <a:t>6/25/2025</a:t>
             </a:fld>
             <a:endParaRPr lang="en-US"/>
           </a:p>
@@ -2238,7 +2238,7 @@
           <a:p>
             <a:fld id="{71FD7FF2-845F-41B9-944F-35B90659B7D6}" type="datetimeFigureOut">
               <a:rPr lang="en-US" smtClean="0"/>
-              <a:t>6/24/2025</a:t>
+              <a:t>6/25/2025</a:t>
             </a:fld>
             <a:endParaRPr lang="en-US"/>
           </a:p>
@@ -2333,7 +2333,7 @@
           <a:p>
             <a:fld id="{71FD7FF2-845F-41B9-944F-35B90659B7D6}" type="datetimeFigureOut">
               <a:rPr lang="en-US" smtClean="0"/>
-              <a:t>6/24/2025</a:t>
+              <a:t>6/25/2025</a:t>
             </a:fld>
             <a:endParaRPr lang="en-US"/>
           </a:p>
@@ -2679,7 +2679,7 @@
           <a:p>
             <a:fld id="{71FD7FF2-845F-41B9-944F-35B90659B7D6}" type="datetimeFigureOut">
               <a:rPr lang="en-US" smtClean="0"/>
-              <a:t>6/24/2025</a:t>
+              <a:t>6/25/2025</a:t>
             </a:fld>
             <a:endParaRPr lang="en-US"/>
           </a:p>
@@ -3067,7 +3067,7 @@
           <a:p>
             <a:fld id="{71FD7FF2-845F-41B9-944F-35B90659B7D6}" type="datetimeFigureOut">
               <a:rPr lang="en-US" smtClean="0"/>
-              <a:t>6/24/2025</a:t>
+              <a:t>6/25/2025</a:t>
             </a:fld>
             <a:endParaRPr lang="en-US"/>
           </a:p>
@@ -3345,7 +3345,7 @@
           <a:p>
             <a:fld id="{71FD7FF2-845F-41B9-944F-35B90659B7D6}" type="datetimeFigureOut">
               <a:rPr lang="en-US" smtClean="0"/>
-              <a:t>6/24/2025</a:t>
+              <a:t>6/25/2025</a:t>
             </a:fld>
             <a:endParaRPr lang="en-US"/>
           </a:p>
@@ -3875,7 +3875,7 @@
         </p:nvSpPr>
         <p:spPr>
           <a:xfrm>
-            <a:off x="1681019" y="1560945"/>
+            <a:off x="1681018" y="1366982"/>
             <a:ext cx="8599373" cy="3500263"/>
           </a:xfrm>
         </p:spPr>
@@ -3884,7 +3884,7 @@
           <a:lstStyle/>
           <a:p>
             <a:r>
-              <a:rPr lang="ru-RU"/>
+              <a:rPr lang="ru-RU" dirty="0"/>
               <a:t>Данные из различных источников</a:t>
             </a:r>
             <a:endParaRPr lang="en-US" dirty="0"/>
